--- a/GIT/ERD_Internet_Service.pptx
+++ b/GIT/ERD_Internet_Service.pptx
@@ -3067,7 +3067,7 @@
         </p:nvSpPr>
         <p:spPr>
           <a:xfrm>
-            <a:off x="1905000" y="4772679"/>
+            <a:off x="1905000" y="2540396"/>
             <a:ext cx="2275656" cy="465703"/>
           </a:xfrm>
           <a:prstGeom prst="rect">
@@ -3109,7 +3109,7 @@
         </p:nvSpPr>
         <p:spPr>
           <a:xfrm>
-            <a:off x="18559698" y="11778059"/>
+            <a:off x="18559698" y="9144000"/>
             <a:ext cx="2637693" cy="553132"/>
           </a:xfrm>
           <a:prstGeom prst="rect">
@@ -3151,7 +3151,7 @@
         </p:nvSpPr>
         <p:spPr>
           <a:xfrm>
-            <a:off x="18456054" y="4666038"/>
+            <a:off x="18456054" y="2433755"/>
             <a:ext cx="2637693" cy="503576"/>
           </a:xfrm>
           <a:prstGeom prst="rect">
@@ -3178,8 +3178,12 @@
           <a:p>
             <a:pPr algn="ctr"/>
             <a:r>
-              <a:rPr lang="en-US" dirty="0" err="1" smtClean="0"/>
-              <a:t>Apportunity</a:t>
+              <a:rPr lang="en-US" dirty="0"/>
+              <a:t>O</a:t>
+            </a:r>
+            <a:r>
+              <a:rPr lang="en-US" dirty="0" smtClean="0"/>
+              <a:t>pportunity</a:t>
             </a:r>
             <a:endParaRPr lang="en-US" dirty="0"/>
           </a:p>
@@ -3193,7 +3197,7 @@
         </p:nvSpPr>
         <p:spPr>
           <a:xfrm>
-            <a:off x="10098455" y="4671423"/>
+            <a:off x="10098455" y="2439140"/>
             <a:ext cx="1938446" cy="554843"/>
           </a:xfrm>
           <a:prstGeom prst="rect">
@@ -3235,7 +3239,7 @@
         </p:nvSpPr>
         <p:spPr>
           <a:xfrm>
-            <a:off x="0" y="4100451"/>
+            <a:off x="0" y="1868168"/>
             <a:ext cx="1905000" cy="602201"/>
           </a:xfrm>
           <a:prstGeom prst="ellipse">
@@ -3277,7 +3281,7 @@
         </p:nvSpPr>
         <p:spPr>
           <a:xfrm>
-            <a:off x="3585882" y="3157327"/>
+            <a:off x="3585882" y="925044"/>
             <a:ext cx="1905000" cy="602201"/>
           </a:xfrm>
           <a:prstGeom prst="ellipse">
@@ -3319,7 +3323,7 @@
         </p:nvSpPr>
         <p:spPr>
           <a:xfrm>
-            <a:off x="1063717" y="2347241"/>
+            <a:off x="1941266" y="158148"/>
             <a:ext cx="1905000" cy="602201"/>
           </a:xfrm>
           <a:prstGeom prst="ellipse">
@@ -3361,7 +3365,7 @@
         </p:nvSpPr>
         <p:spPr>
           <a:xfrm>
-            <a:off x="304871" y="3279412"/>
+            <a:off x="304871" y="1047129"/>
             <a:ext cx="1905000" cy="602201"/>
           </a:xfrm>
           <a:prstGeom prst="ellipse">
@@ -3403,7 +3407,7 @@
         </p:nvSpPr>
         <p:spPr>
           <a:xfrm>
-            <a:off x="7844118" y="4053962"/>
+            <a:off x="7844118" y="1821679"/>
             <a:ext cx="1905000" cy="602201"/>
           </a:xfrm>
           <a:prstGeom prst="ellipse">
@@ -3445,7 +3449,7 @@
         </p:nvSpPr>
         <p:spPr>
           <a:xfrm>
-            <a:off x="11846228" y="3344731"/>
+            <a:off x="11846228" y="1112448"/>
             <a:ext cx="1905000" cy="602201"/>
           </a:xfrm>
           <a:prstGeom prst="ellipse">
@@ -3483,7 +3487,7 @@
         </p:nvSpPr>
         <p:spPr>
           <a:xfrm>
-            <a:off x="10404229" y="2575657"/>
+            <a:off x="10404229" y="343374"/>
             <a:ext cx="1905000" cy="602201"/>
           </a:xfrm>
           <a:prstGeom prst="ellipse">
@@ -3525,7 +3529,7 @@
         </p:nvSpPr>
         <p:spPr>
           <a:xfrm>
-            <a:off x="8974876" y="3299392"/>
+            <a:off x="8974876" y="1067109"/>
             <a:ext cx="1905000" cy="602201"/>
           </a:xfrm>
           <a:prstGeom prst="ellipse">
@@ -3567,7 +3571,7 @@
         </p:nvSpPr>
         <p:spPr>
           <a:xfrm>
-            <a:off x="4173071" y="4100451"/>
+            <a:off x="4173071" y="1868168"/>
             <a:ext cx="1905000" cy="602201"/>
           </a:xfrm>
           <a:prstGeom prst="ellipse">
@@ -3609,7 +3613,7 @@
         </p:nvSpPr>
         <p:spPr>
           <a:xfrm>
-            <a:off x="15883832" y="3711262"/>
+            <a:off x="15883832" y="1478979"/>
             <a:ext cx="2291615" cy="453219"/>
           </a:xfrm>
           <a:prstGeom prst="ellipse">
@@ -3651,7 +3655,7 @@
         </p:nvSpPr>
         <p:spPr>
           <a:xfrm>
-            <a:off x="18490345" y="2308483"/>
+            <a:off x="18490345" y="76200"/>
             <a:ext cx="2291615" cy="453219"/>
           </a:xfrm>
           <a:prstGeom prst="ellipse">
@@ -3689,7 +3693,7 @@
         </p:nvSpPr>
         <p:spPr>
           <a:xfrm>
-            <a:off x="16764770" y="2949442"/>
+            <a:off x="16764770" y="717159"/>
             <a:ext cx="2291615" cy="453219"/>
           </a:xfrm>
           <a:prstGeom prst="ellipse">
@@ -3731,7 +3735,7 @@
         </p:nvSpPr>
         <p:spPr>
           <a:xfrm>
-            <a:off x="20102269" y="3147764"/>
+            <a:off x="20102269" y="915481"/>
             <a:ext cx="2291615" cy="453219"/>
           </a:xfrm>
           <a:prstGeom prst="ellipse">
@@ -3773,7 +3777,7 @@
         </p:nvSpPr>
         <p:spPr>
           <a:xfrm>
-            <a:off x="16164437" y="13524486"/>
+            <a:off x="16164437" y="10890427"/>
             <a:ext cx="2291615" cy="602201"/>
           </a:xfrm>
           <a:prstGeom prst="ellipse">
@@ -3815,7 +3819,7 @@
         </p:nvSpPr>
         <p:spPr>
           <a:xfrm>
-            <a:off x="18146253" y="14062149"/>
+            <a:off x="18146253" y="11428090"/>
             <a:ext cx="2291615" cy="602201"/>
           </a:xfrm>
           <a:prstGeom prst="ellipse">
@@ -3857,7 +3861,7 @@
         </p:nvSpPr>
         <p:spPr>
           <a:xfrm>
-            <a:off x="20640935" y="13375851"/>
+            <a:off x="20640935" y="10741792"/>
             <a:ext cx="2291615" cy="602201"/>
           </a:xfrm>
           <a:prstGeom prst="ellipse">
@@ -3899,7 +3903,7 @@
         </p:nvSpPr>
         <p:spPr>
           <a:xfrm>
-            <a:off x="1905002" y="8874784"/>
+            <a:off x="3229707" y="9290394"/>
             <a:ext cx="2637693" cy="553132"/>
           </a:xfrm>
           <a:prstGeom prst="rect">
@@ -3941,7 +3945,7 @@
         </p:nvSpPr>
         <p:spPr>
           <a:xfrm>
-            <a:off x="3754768" y="7089597"/>
+            <a:off x="1279139" y="7696200"/>
             <a:ext cx="2291615" cy="602201"/>
           </a:xfrm>
           <a:prstGeom prst="ellipse">
@@ -3983,7 +3987,7 @@
         </p:nvSpPr>
         <p:spPr>
           <a:xfrm>
-            <a:off x="6006648" y="8892973"/>
+            <a:off x="140812" y="9700301"/>
             <a:ext cx="2291615" cy="602201"/>
           </a:xfrm>
           <a:prstGeom prst="ellipse">
@@ -4010,10 +4014,10 @@
           <a:p>
             <a:pPr algn="ctr"/>
             <a:r>
-              <a:rPr lang="en-US" sz="1400" dirty="0" err="1" smtClean="0"/>
+              <a:rPr lang="en-US" sz="1400" b="1" dirty="0" err="1" smtClean="0"/>
               <a:t>User_id</a:t>
             </a:r>
-            <a:endParaRPr lang="en-US" sz="1400" dirty="0"/>
+            <a:endParaRPr lang="en-US" sz="1400" b="1" dirty="0"/>
           </a:p>
         </p:txBody>
       </p:sp>
@@ -4025,7 +4029,7 @@
         </p:nvSpPr>
         <p:spPr>
           <a:xfrm>
-            <a:off x="5429415" y="9916257"/>
+            <a:off x="504390" y="10912661"/>
             <a:ext cx="2291615" cy="602201"/>
           </a:xfrm>
           <a:prstGeom prst="ellipse">
@@ -4067,7 +4071,7 @@
         </p:nvSpPr>
         <p:spPr>
           <a:xfrm>
-            <a:off x="5575481" y="7769630"/>
+            <a:off x="120922" y="8657829"/>
             <a:ext cx="2291615" cy="602201"/>
           </a:xfrm>
           <a:prstGeom prst="ellipse">
@@ -4105,7 +4109,7 @@
         </p:nvSpPr>
         <p:spPr>
           <a:xfrm>
-            <a:off x="1928034" y="11897384"/>
+            <a:off x="3307173" y="12324668"/>
             <a:ext cx="2637693" cy="553132"/>
           </a:xfrm>
           <a:prstGeom prst="rect">
@@ -4147,7 +4151,7 @@
         </p:nvSpPr>
         <p:spPr>
           <a:xfrm>
-            <a:off x="0" y="13888817"/>
+            <a:off x="1379139" y="14257517"/>
             <a:ext cx="2291615" cy="602201"/>
           </a:xfrm>
           <a:prstGeom prst="ellipse">
@@ -4189,7 +4193,7 @@
         </p:nvSpPr>
         <p:spPr>
           <a:xfrm>
-            <a:off x="955265" y="14790200"/>
+            <a:off x="2334404" y="15018799"/>
             <a:ext cx="2291615" cy="602201"/>
           </a:xfrm>
           <a:prstGeom prst="ellipse">
@@ -4216,10 +4220,10 @@
           <a:p>
             <a:pPr algn="ctr"/>
             <a:r>
-              <a:rPr lang="en-US" sz="1400" dirty="0" err="1" smtClean="0"/>
+              <a:rPr lang="en-US" sz="1400" b="1" dirty="0" err="1" smtClean="0"/>
               <a:t>Emp_id</a:t>
             </a:r>
-            <a:endParaRPr lang="en-US" sz="1400" dirty="0"/>
+            <a:endParaRPr lang="en-US" sz="1400" b="1" dirty="0"/>
           </a:p>
         </p:txBody>
       </p:sp>
@@ -4231,7 +4235,7 @@
         </p:nvSpPr>
         <p:spPr>
           <a:xfrm>
-            <a:off x="3634368" y="14790200"/>
+            <a:off x="5013507" y="15018799"/>
             <a:ext cx="2291615" cy="602201"/>
           </a:xfrm>
           <a:prstGeom prst="ellipse">
@@ -4273,7 +4277,7 @@
         </p:nvSpPr>
         <p:spPr>
           <a:xfrm>
-            <a:off x="4860841" y="13927262"/>
+            <a:off x="6239980" y="14155861"/>
             <a:ext cx="2291615" cy="602201"/>
           </a:xfrm>
           <a:prstGeom prst="ellipse">
@@ -4315,7 +4319,7 @@
         </p:nvSpPr>
         <p:spPr>
           <a:xfrm>
-            <a:off x="5450710" y="13011520"/>
+            <a:off x="6829849" y="13240119"/>
             <a:ext cx="2291615" cy="602201"/>
           </a:xfrm>
           <a:prstGeom prst="ellipse">
@@ -4349,38 +4353,6 @@
           </a:p>
         </p:txBody>
       </p:sp>
-      <p:cxnSp>
-        <p:nvCxnSpPr>
-          <p:cNvPr id="23" name="Straight Connector 22"/>
-          <p:cNvCxnSpPr>
-            <a:stCxn id="4" idx="2"/>
-          </p:cNvCxnSpPr>
-          <p:nvPr/>
-        </p:nvCxnSpPr>
-        <p:spPr>
-          <a:xfrm>
-            <a:off x="3042828" y="5238382"/>
-            <a:ext cx="0" cy="3636402"/>
-          </a:xfrm>
-          <a:prstGeom prst="line">
-            <a:avLst/>
-          </a:prstGeom>
-        </p:spPr>
-        <p:style>
-          <a:lnRef idx="2">
-            <a:schemeClr val="accent1"/>
-          </a:lnRef>
-          <a:fillRef idx="1">
-            <a:schemeClr val="lt1"/>
-          </a:fillRef>
-          <a:effectRef idx="0">
-            <a:schemeClr val="accent1"/>
-          </a:effectRef>
-          <a:fontRef idx="minor">
-            <a:schemeClr val="dk1"/>
-          </a:fontRef>
-        </p:style>
-      </p:cxnSp>
       <p:cxnSp>
         <p:nvCxnSpPr>
           <p:cNvPr id="65" name="Straight Connector 64"/>
@@ -4392,8 +4364,8 @@
         </p:nvCxnSpPr>
         <p:spPr>
           <a:xfrm>
-            <a:off x="3223849" y="9427916"/>
-            <a:ext cx="23032" cy="2469468"/>
+            <a:off x="4548554" y="9843526"/>
+            <a:ext cx="77466" cy="2481142"/>
           </a:xfrm>
           <a:prstGeom prst="line">
             <a:avLst/>
@@ -4424,7 +4396,7 @@
         </p:nvCxnSpPr>
         <p:spPr>
           <a:xfrm flipV="1">
-            <a:off x="4180656" y="4949547"/>
+            <a:off x="4180656" y="2717264"/>
             <a:ext cx="5917797" cy="14092"/>
           </a:xfrm>
           <a:prstGeom prst="line">
@@ -4456,7 +4428,7 @@
         </p:nvCxnSpPr>
         <p:spPr>
           <a:xfrm>
-            <a:off x="19878545" y="5169614"/>
+            <a:off x="19878545" y="2535555"/>
             <a:ext cx="0" cy="6608445"/>
           </a:xfrm>
           <a:prstGeom prst="line">
@@ -4488,7 +4460,7 @@
         </p:nvCxnSpPr>
         <p:spPr>
           <a:xfrm flipV="1">
-            <a:off x="12036899" y="4917828"/>
+            <a:off x="12036899" y="2685545"/>
             <a:ext cx="6419153" cy="3"/>
           </a:xfrm>
           <a:prstGeom prst="line">
@@ -4520,7 +4492,7 @@
         </p:nvCxnSpPr>
         <p:spPr>
           <a:xfrm>
-            <a:off x="1905000" y="4415532"/>
+            <a:off x="1905000" y="2183249"/>
             <a:ext cx="767174" cy="279622"/>
           </a:xfrm>
           <a:prstGeom prst="line">
@@ -4553,7 +4525,7 @@
         </p:nvCxnSpPr>
         <p:spPr>
           <a:xfrm>
-            <a:off x="1930890" y="3793423"/>
+            <a:off x="1930890" y="1561140"/>
             <a:ext cx="1111938" cy="979256"/>
           </a:xfrm>
           <a:prstGeom prst="line">
@@ -4585,7 +4557,7 @@
         </p:nvCxnSpPr>
         <p:spPr>
           <a:xfrm flipV="1">
-            <a:off x="3634368" y="4415532"/>
+            <a:off x="3634368" y="2183249"/>
             <a:ext cx="538703" cy="279622"/>
           </a:xfrm>
           <a:prstGeom prst="line">
@@ -4617,8 +4589,8 @@
         </p:nvCxnSpPr>
         <p:spPr>
           <a:xfrm>
-            <a:off x="2016217" y="2949442"/>
-            <a:ext cx="1207631" cy="1823237"/>
+            <a:off x="2893766" y="760349"/>
+            <a:ext cx="330082" cy="1780047"/>
           </a:xfrm>
           <a:prstGeom prst="line">
             <a:avLst/>
@@ -4649,7 +4621,7 @@
         </p:nvCxnSpPr>
         <p:spPr>
           <a:xfrm flipH="1">
-            <a:off x="3318048" y="3721392"/>
+            <a:off x="3318048" y="1489109"/>
             <a:ext cx="546815" cy="1001088"/>
           </a:xfrm>
           <a:prstGeom prst="line">
@@ -4681,7 +4653,7 @@
         </p:nvCxnSpPr>
         <p:spPr>
           <a:xfrm>
-            <a:off x="9749118" y="4366514"/>
+            <a:off x="9749118" y="2134231"/>
             <a:ext cx="902841" cy="229019"/>
           </a:xfrm>
           <a:prstGeom prst="line">
@@ -4713,7 +4685,7 @@
         </p:nvCxnSpPr>
         <p:spPr>
           <a:xfrm>
-            <a:off x="10600898" y="3848400"/>
+            <a:off x="10600898" y="1616117"/>
             <a:ext cx="264731" cy="699934"/>
           </a:xfrm>
           <a:prstGeom prst="line">
@@ -4745,7 +4717,7 @@
         </p:nvCxnSpPr>
         <p:spPr>
           <a:xfrm flipH="1">
-            <a:off x="11144609" y="3240378"/>
+            <a:off x="11144609" y="1008095"/>
             <a:ext cx="212121" cy="1250412"/>
           </a:xfrm>
           <a:prstGeom prst="line">
@@ -4777,7 +4749,7 @@
         </p:nvCxnSpPr>
         <p:spPr>
           <a:xfrm flipH="1">
-            <a:off x="11415833" y="3891701"/>
+            <a:off x="11415833" y="1659418"/>
             <a:ext cx="709376" cy="659198"/>
           </a:xfrm>
           <a:prstGeom prst="line">
@@ -4809,7 +4781,7 @@
         </p:nvCxnSpPr>
         <p:spPr>
           <a:xfrm>
-            <a:off x="18175449" y="3967355"/>
+            <a:off x="18175449" y="1735072"/>
             <a:ext cx="1141040" cy="589651"/>
           </a:xfrm>
           <a:prstGeom prst="line">
@@ -4841,7 +4813,7 @@
         </p:nvCxnSpPr>
         <p:spPr>
           <a:xfrm>
-            <a:off x="18720789" y="3395277"/>
+            <a:off x="18720789" y="1162994"/>
             <a:ext cx="891699" cy="1179783"/>
           </a:xfrm>
           <a:prstGeom prst="line">
@@ -4873,7 +4845,7 @@
         </p:nvCxnSpPr>
         <p:spPr>
           <a:xfrm>
-            <a:off x="19636153" y="2844665"/>
+            <a:off x="19636153" y="612382"/>
             <a:ext cx="200450" cy="1659273"/>
           </a:xfrm>
           <a:prstGeom prst="line">
@@ -4905,7 +4877,7 @@
         </p:nvCxnSpPr>
         <p:spPr>
           <a:xfrm flipH="1">
-            <a:off x="20102271" y="3580513"/>
+            <a:off x="20102271" y="1348230"/>
             <a:ext cx="335597" cy="918062"/>
           </a:xfrm>
           <a:prstGeom prst="line">
@@ -4936,9 +4908,9 @@
           <p:nvPr/>
         </p:nvCxnSpPr>
         <p:spPr>
-          <a:xfrm flipH="1">
-            <a:off x="4209749" y="7741234"/>
-            <a:ext cx="690826" cy="988715"/>
+          <a:xfrm>
+            <a:off x="2424947" y="8298401"/>
+            <a:ext cx="827794" cy="1187782"/>
           </a:xfrm>
           <a:prstGeom prst="line">
             <a:avLst/>
@@ -4963,14 +4935,14 @@
         <p:nvCxnSpPr>
           <p:cNvPr id="110" name="Straight Connector 109"/>
           <p:cNvCxnSpPr>
-            <a:stCxn id="56" idx="3"/>
+            <a:stCxn id="47" idx="1"/>
           </p:cNvCxnSpPr>
           <p:nvPr/>
         </p:nvCxnSpPr>
         <p:spPr>
-          <a:xfrm flipH="1">
-            <a:off x="4565726" y="8314872"/>
-            <a:ext cx="1345353" cy="624650"/>
+          <a:xfrm flipH="1" flipV="1">
+            <a:off x="2315720" y="9053910"/>
+            <a:ext cx="913987" cy="513050"/>
           </a:xfrm>
           <a:prstGeom prst="line">
             <a:avLst/>
@@ -4994,15 +4966,13 @@
       <p:cxnSp>
         <p:nvCxnSpPr>
           <p:cNvPr id="112" name="Straight Connector 111"/>
-          <p:cNvCxnSpPr>
-            <a:stCxn id="54" idx="2"/>
-          </p:cNvCxnSpPr>
+          <p:cNvCxnSpPr/>
           <p:nvPr/>
         </p:nvCxnSpPr>
         <p:spPr>
-          <a:xfrm flipH="1" flipV="1">
-            <a:off x="4588996" y="9182197"/>
-            <a:ext cx="1417653" cy="11311"/>
+          <a:xfrm flipH="1">
+            <a:off x="2404799" y="9827721"/>
+            <a:ext cx="824908" cy="121293"/>
           </a:xfrm>
           <a:prstGeom prst="line">
             <a:avLst/>
@@ -5026,15 +4996,13 @@
       <p:cxnSp>
         <p:nvCxnSpPr>
           <p:cNvPr id="114" name="Straight Connector 113"/>
-          <p:cNvCxnSpPr>
-            <a:stCxn id="55" idx="1"/>
-          </p:cNvCxnSpPr>
+          <p:cNvCxnSpPr/>
           <p:nvPr/>
         </p:nvCxnSpPr>
         <p:spPr>
-          <a:xfrm flipH="1" flipV="1">
-            <a:off x="4588995" y="9531132"/>
-            <a:ext cx="1176018" cy="450777"/>
+          <a:xfrm flipV="1">
+            <a:off x="2375655" y="9876252"/>
+            <a:ext cx="1050124" cy="1083763"/>
           </a:xfrm>
           <a:prstGeom prst="line">
             <a:avLst/>
@@ -5063,8 +5031,8 @@
         </p:nvCxnSpPr>
         <p:spPr>
           <a:xfrm flipH="1">
-            <a:off x="1988674" y="12450516"/>
-            <a:ext cx="762458" cy="1499664"/>
+            <a:off x="3278304" y="12877800"/>
+            <a:ext cx="762458" cy="1428828"/>
           </a:xfrm>
           <a:prstGeom prst="line">
             <a:avLst/>
@@ -5095,8 +5063,8 @@
         </p:nvCxnSpPr>
         <p:spPr>
           <a:xfrm flipH="1">
-            <a:off x="2620679" y="12450516"/>
-            <a:ext cx="626202" cy="2339684"/>
+            <a:off x="4040762" y="12877800"/>
+            <a:ext cx="585258" cy="2140999"/>
           </a:xfrm>
           <a:prstGeom prst="line">
             <a:avLst/>
@@ -5125,8 +5093,8 @@
         </p:nvCxnSpPr>
         <p:spPr>
           <a:xfrm>
-            <a:off x="3585882" y="12450516"/>
-            <a:ext cx="969280" cy="2339684"/>
+            <a:off x="5013507" y="12877800"/>
+            <a:ext cx="920794" cy="2140999"/>
           </a:xfrm>
           <a:prstGeom prst="line">
             <a:avLst/>
@@ -5157,8 +5125,8 @@
         </p:nvCxnSpPr>
         <p:spPr>
           <a:xfrm>
-            <a:off x="3864863" y="12450516"/>
-            <a:ext cx="1331577" cy="1564936"/>
+            <a:off x="5473904" y="12877800"/>
+            <a:ext cx="1101675" cy="1366251"/>
           </a:xfrm>
           <a:prstGeom prst="line">
             <a:avLst/>
@@ -5187,8 +5155,8 @@
         </p:nvCxnSpPr>
         <p:spPr>
           <a:xfrm>
-            <a:off x="4180658" y="12578365"/>
-            <a:ext cx="1270054" cy="664482"/>
+            <a:off x="5807799" y="12877800"/>
+            <a:ext cx="1022052" cy="593646"/>
           </a:xfrm>
           <a:prstGeom prst="line">
             <a:avLst/>
@@ -5212,13 +5180,15 @@
       <p:cxnSp>
         <p:nvCxnSpPr>
           <p:cNvPr id="128" name="Straight Connector 127"/>
-          <p:cNvCxnSpPr/>
+          <p:cNvCxnSpPr>
+            <a:endCxn id="44" idx="7"/>
+          </p:cNvCxnSpPr>
           <p:nvPr/>
         </p:nvCxnSpPr>
         <p:spPr>
           <a:xfrm flipH="1">
-            <a:off x="18006963" y="12494129"/>
-            <a:ext cx="1159675" cy="998662"/>
+            <a:off x="18120453" y="9700301"/>
+            <a:ext cx="1046185" cy="1278316"/>
           </a:xfrm>
           <a:prstGeom prst="line">
             <a:avLst/>
@@ -5242,13 +5212,15 @@
       <p:cxnSp>
         <p:nvCxnSpPr>
           <p:cNvPr id="130" name="Straight Connector 129"/>
-          <p:cNvCxnSpPr/>
+          <p:cNvCxnSpPr>
+            <a:endCxn id="45" idx="0"/>
+          </p:cNvCxnSpPr>
           <p:nvPr/>
         </p:nvCxnSpPr>
         <p:spPr>
           <a:xfrm flipH="1">
-            <a:off x="19256768" y="12528951"/>
-            <a:ext cx="355719" cy="1330287"/>
+            <a:off x="19292061" y="9697132"/>
+            <a:ext cx="366380" cy="1730958"/>
           </a:xfrm>
           <a:prstGeom prst="line">
             <a:avLst/>
@@ -5277,8 +5249,8 @@
         </p:nvCxnSpPr>
         <p:spPr>
           <a:xfrm>
-            <a:off x="20102269" y="12514260"/>
-            <a:ext cx="681850" cy="998662"/>
+            <a:off x="20102269" y="9700301"/>
+            <a:ext cx="681850" cy="1178562"/>
           </a:xfrm>
           <a:prstGeom prst="line">
             <a:avLst/>
@@ -5307,7 +5279,7 @@
         </p:nvSpPr>
         <p:spPr>
           <a:xfrm>
-            <a:off x="12309229" y="5023974"/>
+            <a:off x="12309229" y="2791691"/>
             <a:ext cx="459517" cy="430887"/>
           </a:xfrm>
           <a:prstGeom prst="rect">
@@ -5337,7 +5309,7 @@
         </p:nvSpPr>
         <p:spPr>
           <a:xfrm>
-            <a:off x="9519359" y="5114304"/>
+            <a:off x="9519359" y="2882021"/>
             <a:ext cx="459517" cy="430887"/>
           </a:xfrm>
           <a:prstGeom prst="rect">
@@ -5353,8 +5325,9 @@
           <a:p>
             <a:r>
               <a:rPr lang="en-US" dirty="0"/>
-              <a:t>M</a:t>
-            </a:r>
+              <a:t>1</a:t>
+            </a:r>
+            <a:endParaRPr lang="en-US" dirty="0"/>
           </a:p>
         </p:txBody>
       </p:sp>
@@ -5366,7 +5339,7 @@
         </p:nvSpPr>
         <p:spPr>
           <a:xfrm>
-            <a:off x="17910577" y="5023974"/>
+            <a:off x="17910577" y="2791691"/>
             <a:ext cx="459517" cy="430887"/>
           </a:xfrm>
           <a:prstGeom prst="rect">
@@ -5396,7 +5369,7 @@
         </p:nvSpPr>
         <p:spPr>
           <a:xfrm>
-            <a:off x="4670816" y="4881088"/>
+            <a:off x="4670816" y="2648805"/>
             <a:ext cx="459517" cy="430887"/>
           </a:xfrm>
           <a:prstGeom prst="rect">
@@ -5426,7 +5399,7 @@
         </p:nvSpPr>
         <p:spPr>
           <a:xfrm>
-            <a:off x="2393193" y="8371831"/>
+            <a:off x="4112483" y="8820167"/>
             <a:ext cx="459517" cy="430887"/>
           </a:xfrm>
           <a:prstGeom prst="rect">
@@ -5456,7 +5429,7 @@
         </p:nvSpPr>
         <p:spPr>
           <a:xfrm>
-            <a:off x="2583311" y="9522449"/>
+            <a:off x="4188683" y="9829800"/>
             <a:ext cx="459517" cy="430887"/>
           </a:xfrm>
           <a:prstGeom prst="rect">
@@ -5486,7 +5459,7 @@
         </p:nvSpPr>
         <p:spPr>
           <a:xfrm>
-            <a:off x="2598793" y="11347172"/>
+            <a:off x="4188683" y="11684913"/>
             <a:ext cx="459517" cy="430887"/>
           </a:xfrm>
           <a:prstGeom prst="rect">
@@ -5515,7 +5488,7 @@
         </p:nvSpPr>
         <p:spPr>
           <a:xfrm>
-            <a:off x="2390920" y="5329747"/>
+            <a:off x="2514600" y="3048000"/>
             <a:ext cx="459517" cy="430887"/>
           </a:xfrm>
           <a:prstGeom prst="rect">
@@ -5545,7 +5518,7 @@
         </p:nvSpPr>
         <p:spPr>
           <a:xfrm>
-            <a:off x="19316489" y="5293530"/>
+            <a:off x="19316489" y="3061247"/>
             <a:ext cx="459517" cy="430887"/>
           </a:xfrm>
           <a:prstGeom prst="rect">
@@ -5575,7 +5548,7 @@
         </p:nvSpPr>
         <p:spPr>
           <a:xfrm>
-            <a:off x="19171373" y="10939869"/>
+            <a:off x="19428683" y="8396846"/>
             <a:ext cx="459517" cy="430887"/>
           </a:xfrm>
           <a:prstGeom prst="rect">
@@ -5605,7 +5578,7 @@
         </p:nvSpPr>
         <p:spPr>
           <a:xfrm>
-            <a:off x="8841048" y="9737892"/>
+            <a:off x="6792144" y="5201196"/>
             <a:ext cx="2275656" cy="465703"/>
           </a:xfrm>
           <a:prstGeom prst="rect">
@@ -5633,7 +5606,7 @@
             <a:pPr algn="ctr"/>
             <a:r>
               <a:rPr lang="en-US" dirty="0" smtClean="0"/>
-              <a:t>Country</a:t>
+              <a:t>Address</a:t>
             </a:r>
             <a:endParaRPr lang="en-US" dirty="0"/>
           </a:p>
@@ -5647,7 +5620,133 @@
         </p:nvSpPr>
         <p:spPr>
           <a:xfrm>
-            <a:off x="10273809" y="11046071"/>
+            <a:off x="6172200" y="6941599"/>
+            <a:ext cx="1905000" cy="602201"/>
+          </a:xfrm>
+          <a:prstGeom prst="ellipse">
+            <a:avLst/>
+          </a:prstGeom>
+        </p:spPr>
+        <p:style>
+          <a:lnRef idx="2">
+            <a:schemeClr val="accent1"/>
+          </a:lnRef>
+          <a:fillRef idx="1">
+            <a:schemeClr val="lt1"/>
+          </a:fillRef>
+          <a:effectRef idx="0">
+            <a:schemeClr val="accent1"/>
+          </a:effectRef>
+          <a:fontRef idx="minor">
+            <a:schemeClr val="dk1"/>
+          </a:fontRef>
+        </p:style>
+        <p:txBody>
+          <a:bodyPr rtlCol="0" anchor="ctr"/>
+          <a:lstStyle/>
+          <a:p>
+            <a:pPr algn="ctr"/>
+            <a:r>
+              <a:rPr lang="en-US" sz="1400" b="1" dirty="0" err="1" smtClean="0"/>
+              <a:t>Country_id</a:t>
+            </a:r>
+            <a:endParaRPr lang="en-US" sz="1400" b="1" dirty="0"/>
+          </a:p>
+        </p:txBody>
+      </p:sp>
+      <p:sp>
+        <p:nvSpPr>
+          <p:cNvPr id="77" name="Oval 76"/>
+          <p:cNvSpPr/>
+          <p:nvPr/>
+        </p:nvSpPr>
+        <p:spPr>
+          <a:xfrm>
+            <a:off x="8128633" y="7246399"/>
+            <a:ext cx="1905000" cy="602201"/>
+          </a:xfrm>
+          <a:prstGeom prst="ellipse">
+            <a:avLst/>
+          </a:prstGeom>
+        </p:spPr>
+        <p:style>
+          <a:lnRef idx="2">
+            <a:schemeClr val="accent1"/>
+          </a:lnRef>
+          <a:fillRef idx="1">
+            <a:schemeClr val="lt1"/>
+          </a:fillRef>
+          <a:effectRef idx="0">
+            <a:schemeClr val="accent1"/>
+          </a:effectRef>
+          <a:fontRef idx="minor">
+            <a:schemeClr val="dk1"/>
+          </a:fontRef>
+        </p:style>
+        <p:txBody>
+          <a:bodyPr rtlCol="0" anchor="ctr"/>
+          <a:lstStyle/>
+          <a:p>
+            <a:pPr algn="ctr"/>
+            <a:r>
+              <a:rPr lang="en-US" sz="1400" dirty="0" smtClean="0"/>
+              <a:t>State</a:t>
+            </a:r>
+            <a:endParaRPr lang="en-US" sz="1400" dirty="0"/>
+          </a:p>
+        </p:txBody>
+      </p:sp>
+      <p:sp>
+        <p:nvSpPr>
+          <p:cNvPr id="82" name="Oval 81"/>
+          <p:cNvSpPr/>
+          <p:nvPr/>
+        </p:nvSpPr>
+        <p:spPr>
+          <a:xfrm>
+            <a:off x="16078200" y="5107383"/>
+            <a:ext cx="1905000" cy="602201"/>
+          </a:xfrm>
+          <a:prstGeom prst="ellipse">
+            <a:avLst/>
+          </a:prstGeom>
+        </p:spPr>
+        <p:style>
+          <a:lnRef idx="2">
+            <a:schemeClr val="accent1"/>
+          </a:lnRef>
+          <a:fillRef idx="1">
+            <a:schemeClr val="lt1"/>
+          </a:fillRef>
+          <a:effectRef idx="0">
+            <a:schemeClr val="accent1"/>
+          </a:effectRef>
+          <a:fontRef idx="minor">
+            <a:schemeClr val="dk1"/>
+          </a:fontRef>
+        </p:style>
+        <p:txBody>
+          <a:bodyPr rtlCol="0" anchor="ctr"/>
+          <a:lstStyle/>
+          <a:p>
+            <a:pPr algn="ctr"/>
+            <a:r>
+              <a:rPr lang="en-US" sz="1400" dirty="0" smtClean="0"/>
+              <a:t>Country</a:t>
+            </a:r>
+            <a:endParaRPr lang="en-US" sz="1400" dirty="0"/>
+          </a:p>
+        </p:txBody>
+      </p:sp>
+      <p:sp>
+        <p:nvSpPr>
+          <p:cNvPr id="83" name="Oval 82"/>
+          <p:cNvSpPr/>
+          <p:nvPr/>
+        </p:nvSpPr>
+        <p:spPr>
+          <a:xfrm>
+            <a:off x="15535453" y="4025582"/>
             <a:ext cx="1905000" cy="602201"/>
           </a:xfrm>
           <a:prstGeom prst="ellipse">
@@ -5676,132 +5775,6 @@
             <a:r>
               <a:rPr lang="en-US" sz="1400" u="sng" dirty="0" err="1" smtClean="0"/>
               <a:t>Country_id</a:t>
-            </a:r>
-            <a:endParaRPr lang="en-US" sz="1400" u="sng" dirty="0"/>
-          </a:p>
-        </p:txBody>
-      </p:sp>
-      <p:sp>
-        <p:nvSpPr>
-          <p:cNvPr id="77" name="Oval 76"/>
-          <p:cNvSpPr/>
-          <p:nvPr/>
-        </p:nvSpPr>
-        <p:spPr>
-          <a:xfrm>
-            <a:off x="11973914" y="9985643"/>
-            <a:ext cx="1905000" cy="602201"/>
-          </a:xfrm>
-          <a:prstGeom prst="ellipse">
-            <a:avLst/>
-          </a:prstGeom>
-        </p:spPr>
-        <p:style>
-          <a:lnRef idx="2">
-            <a:schemeClr val="accent1"/>
-          </a:lnRef>
-          <a:fillRef idx="1">
-            <a:schemeClr val="lt1"/>
-          </a:fillRef>
-          <a:effectRef idx="0">
-            <a:schemeClr val="accent1"/>
-          </a:effectRef>
-          <a:fontRef idx="minor">
-            <a:schemeClr val="dk1"/>
-          </a:fontRef>
-        </p:style>
-        <p:txBody>
-          <a:bodyPr rtlCol="0" anchor="ctr"/>
-          <a:lstStyle/>
-          <a:p>
-            <a:pPr algn="ctr"/>
-            <a:r>
-              <a:rPr lang="en-US" sz="1400" dirty="0" smtClean="0"/>
-              <a:t>Country</a:t>
-            </a:r>
-            <a:endParaRPr lang="en-US" sz="1400" dirty="0"/>
-          </a:p>
-        </p:txBody>
-      </p:sp>
-      <p:sp>
-        <p:nvSpPr>
-          <p:cNvPr id="82" name="Oval 81"/>
-          <p:cNvSpPr/>
-          <p:nvPr/>
-        </p:nvSpPr>
-        <p:spPr>
-          <a:xfrm>
-            <a:off x="14293975" y="7339666"/>
-            <a:ext cx="1905000" cy="602201"/>
-          </a:xfrm>
-          <a:prstGeom prst="ellipse">
-            <a:avLst/>
-          </a:prstGeom>
-        </p:spPr>
-        <p:style>
-          <a:lnRef idx="2">
-            <a:schemeClr val="accent1"/>
-          </a:lnRef>
-          <a:fillRef idx="1">
-            <a:schemeClr val="lt1"/>
-          </a:fillRef>
-          <a:effectRef idx="0">
-            <a:schemeClr val="accent1"/>
-          </a:effectRef>
-          <a:fontRef idx="minor">
-            <a:schemeClr val="dk1"/>
-          </a:fontRef>
-        </p:style>
-        <p:txBody>
-          <a:bodyPr rtlCol="0" anchor="ctr"/>
-          <a:lstStyle/>
-          <a:p>
-            <a:pPr algn="ctr"/>
-            <a:r>
-              <a:rPr lang="en-US" sz="1400" dirty="0" err="1" smtClean="0"/>
-              <a:t>Sttate</a:t>
-            </a:r>
-            <a:endParaRPr lang="en-US" sz="1400" dirty="0"/>
-          </a:p>
-        </p:txBody>
-      </p:sp>
-      <p:sp>
-        <p:nvSpPr>
-          <p:cNvPr id="83" name="Oval 82"/>
-          <p:cNvSpPr/>
-          <p:nvPr/>
-        </p:nvSpPr>
-        <p:spPr>
-          <a:xfrm>
-            <a:off x="13751228" y="6257865"/>
-            <a:ext cx="1905000" cy="602201"/>
-          </a:xfrm>
-          <a:prstGeom prst="ellipse">
-            <a:avLst/>
-          </a:prstGeom>
-        </p:spPr>
-        <p:style>
-          <a:lnRef idx="2">
-            <a:schemeClr val="accent1"/>
-          </a:lnRef>
-          <a:fillRef idx="1">
-            <a:schemeClr val="lt1"/>
-          </a:fillRef>
-          <a:effectRef idx="0">
-            <a:schemeClr val="accent1"/>
-          </a:effectRef>
-          <a:fontRef idx="minor">
-            <a:schemeClr val="dk1"/>
-          </a:fontRef>
-        </p:style>
-        <p:txBody>
-          <a:bodyPr rtlCol="0" anchor="ctr"/>
-          <a:lstStyle/>
-          <a:p>
-            <a:pPr algn="ctr"/>
-            <a:r>
-              <a:rPr lang="en-US" sz="1400" u="sng" dirty="0" err="1" smtClean="0"/>
-              <a:t>State_id</a:t>
             </a:r>
             <a:endParaRPr lang="en-US" sz="1400" u="sng" dirty="0"/>
           </a:p>
@@ -5810,13 +5783,15 @@
       <p:cxnSp>
         <p:nvCxnSpPr>
           <p:cNvPr id="84" name="Straight Connector 83"/>
-          <p:cNvCxnSpPr/>
+          <p:cNvCxnSpPr>
+            <a:stCxn id="73" idx="2"/>
+          </p:cNvCxnSpPr>
           <p:nvPr/>
         </p:nvCxnSpPr>
         <p:spPr>
-          <a:xfrm>
-            <a:off x="10669449" y="10202080"/>
-            <a:ext cx="594732" cy="843991"/>
+          <a:xfrm flipH="1">
+            <a:off x="7284619" y="5666899"/>
+            <a:ext cx="645353" cy="1234774"/>
           </a:xfrm>
           <a:prstGeom prst="line">
             <a:avLst/>
@@ -5845,8 +5820,8 @@
         </p:nvCxnSpPr>
         <p:spPr>
           <a:xfrm flipH="1" flipV="1">
-            <a:off x="11140048" y="10053845"/>
-            <a:ext cx="896853" cy="103061"/>
+            <a:off x="8128633" y="5666899"/>
+            <a:ext cx="586076" cy="1678686"/>
           </a:xfrm>
           <a:prstGeom prst="line">
             <a:avLst/>
@@ -5878,8 +5853,8 @@
         </p:nvCxnSpPr>
         <p:spPr>
           <a:xfrm flipH="1" flipV="1">
-            <a:off x="13475296" y="7508383"/>
-            <a:ext cx="818679" cy="132384"/>
+            <a:off x="15259521" y="5405949"/>
+            <a:ext cx="818679" cy="2535"/>
           </a:xfrm>
           <a:prstGeom prst="line">
             <a:avLst/>
@@ -5904,14 +5879,14 @@
         <p:nvCxnSpPr>
           <p:cNvPr id="87" name="Straight Connector 86"/>
           <p:cNvCxnSpPr>
-            <a:endCxn id="83" idx="2"/>
+            <a:endCxn id="83" idx="3"/>
           </p:cNvCxnSpPr>
           <p:nvPr/>
         </p:nvCxnSpPr>
         <p:spPr>
           <a:xfrm flipV="1">
-            <a:off x="13010987" y="6558966"/>
-            <a:ext cx="740241" cy="716566"/>
+            <a:off x="14795212" y="4539593"/>
+            <a:ext cx="1019222" cy="618822"/>
           </a:xfrm>
           <a:prstGeom prst="line">
             <a:avLst/>
@@ -5932,212 +5907,6 @@
           </a:fontRef>
         </p:style>
       </p:cxnSp>
-      <p:cxnSp>
-        <p:nvCxnSpPr>
-          <p:cNvPr id="92" name="Straight Connector 91"/>
-          <p:cNvCxnSpPr/>
-          <p:nvPr/>
-        </p:nvCxnSpPr>
-        <p:spPr>
-          <a:xfrm flipH="1">
-            <a:off x="3258141" y="2535092"/>
-            <a:ext cx="496627" cy="2237587"/>
-          </a:xfrm>
-          <a:prstGeom prst="line">
-            <a:avLst/>
-          </a:prstGeom>
-        </p:spPr>
-        <p:style>
-          <a:lnRef idx="2">
-            <a:schemeClr val="accent1"/>
-          </a:lnRef>
-          <a:fillRef idx="1">
-            <a:schemeClr val="lt1"/>
-          </a:fillRef>
-          <a:effectRef idx="0">
-            <a:schemeClr val="accent1"/>
-          </a:effectRef>
-          <a:fontRef idx="minor">
-            <a:schemeClr val="dk1"/>
-          </a:fontRef>
-        </p:style>
-      </p:cxnSp>
-      <p:sp>
-        <p:nvSpPr>
-          <p:cNvPr id="17" name="Donut 16"/>
-          <p:cNvSpPr/>
-          <p:nvPr/>
-        </p:nvSpPr>
-        <p:spPr>
-          <a:xfrm>
-            <a:off x="3058310" y="1600200"/>
-            <a:ext cx="2138130" cy="1048141"/>
-          </a:xfrm>
-          <a:prstGeom prst="donut">
-            <a:avLst/>
-          </a:prstGeom>
-        </p:spPr>
-        <p:style>
-          <a:lnRef idx="2">
-            <a:schemeClr val="accent1"/>
-          </a:lnRef>
-          <a:fillRef idx="1">
-            <a:schemeClr val="lt1"/>
-          </a:fillRef>
-          <a:effectRef idx="0">
-            <a:schemeClr val="accent1"/>
-          </a:effectRef>
-          <a:fontRef idx="minor">
-            <a:schemeClr val="dk1"/>
-          </a:fontRef>
-        </p:style>
-        <p:txBody>
-          <a:bodyPr rtlCol="0" anchor="ctr"/>
-          <a:lstStyle/>
-          <a:p>
-            <a:pPr algn="ctr"/>
-            <a:r>
-              <a:rPr lang="en-US" dirty="0" smtClean="0">
-                <a:solidFill>
-                  <a:schemeClr val="tx1"/>
-                </a:solidFill>
-              </a:rPr>
-              <a:t>Address</a:t>
-            </a:r>
-            <a:endParaRPr lang="en-US" dirty="0">
-              <a:solidFill>
-                <a:schemeClr val="tx1"/>
-              </a:solidFill>
-            </a:endParaRPr>
-          </a:p>
-        </p:txBody>
-      </p:sp>
-      <p:sp>
-        <p:nvSpPr>
-          <p:cNvPr id="99" name="Oval 98"/>
-          <p:cNvSpPr/>
-          <p:nvPr/>
-        </p:nvSpPr>
-        <p:spPr>
-          <a:xfrm>
-            <a:off x="3506454" y="151943"/>
-            <a:ext cx="1905000" cy="602201"/>
-          </a:xfrm>
-          <a:prstGeom prst="ellipse">
-            <a:avLst/>
-          </a:prstGeom>
-        </p:spPr>
-        <p:style>
-          <a:lnRef idx="2">
-            <a:schemeClr val="accent1"/>
-          </a:lnRef>
-          <a:fillRef idx="1">
-            <a:schemeClr val="lt1"/>
-          </a:fillRef>
-          <a:effectRef idx="0">
-            <a:schemeClr val="accent1"/>
-          </a:effectRef>
-          <a:fontRef idx="minor">
-            <a:schemeClr val="dk1"/>
-          </a:fontRef>
-        </p:style>
-        <p:txBody>
-          <a:bodyPr rtlCol="0" anchor="ctr"/>
-          <a:lstStyle/>
-          <a:p>
-            <a:pPr algn="ctr"/>
-            <a:r>
-              <a:rPr lang="en-US" sz="1400" dirty="0" smtClean="0"/>
-              <a:t>Address_line2</a:t>
-            </a:r>
-            <a:endParaRPr lang="en-US" sz="1400" dirty="0"/>
-          </a:p>
-        </p:txBody>
-      </p:sp>
-      <p:sp>
-        <p:nvSpPr>
-          <p:cNvPr id="101" name="Oval 100"/>
-          <p:cNvSpPr/>
-          <p:nvPr/>
-        </p:nvSpPr>
-        <p:spPr>
-          <a:xfrm>
-            <a:off x="5622722" y="622615"/>
-            <a:ext cx="1905000" cy="602201"/>
-          </a:xfrm>
-          <a:prstGeom prst="ellipse">
-            <a:avLst/>
-          </a:prstGeom>
-        </p:spPr>
-        <p:style>
-          <a:lnRef idx="2">
-            <a:schemeClr val="accent1"/>
-          </a:lnRef>
-          <a:fillRef idx="1">
-            <a:schemeClr val="lt1"/>
-          </a:fillRef>
-          <a:effectRef idx="0">
-            <a:schemeClr val="accent1"/>
-          </a:effectRef>
-          <a:fontRef idx="minor">
-            <a:schemeClr val="dk1"/>
-          </a:fontRef>
-        </p:style>
-        <p:txBody>
-          <a:bodyPr rtlCol="0" anchor="ctr"/>
-          <a:lstStyle/>
-          <a:p>
-            <a:pPr algn="ctr"/>
-            <a:r>
-              <a:rPr lang="en-US" sz="1400" dirty="0" smtClean="0"/>
-              <a:t>Address_line1</a:t>
-            </a:r>
-            <a:endParaRPr lang="en-US" sz="1400" dirty="0"/>
-          </a:p>
-        </p:txBody>
-      </p:sp>
-      <p:sp>
-        <p:nvSpPr>
-          <p:cNvPr id="103" name="Oval 102"/>
-          <p:cNvSpPr/>
-          <p:nvPr/>
-        </p:nvSpPr>
-        <p:spPr>
-          <a:xfrm>
-            <a:off x="1404828" y="453044"/>
-            <a:ext cx="1905000" cy="602201"/>
-          </a:xfrm>
-          <a:prstGeom prst="ellipse">
-            <a:avLst/>
-          </a:prstGeom>
-        </p:spPr>
-        <p:style>
-          <a:lnRef idx="2">
-            <a:schemeClr val="accent1"/>
-          </a:lnRef>
-          <a:fillRef idx="1">
-            <a:schemeClr val="lt1"/>
-          </a:fillRef>
-          <a:effectRef idx="0">
-            <a:schemeClr val="accent1"/>
-          </a:effectRef>
-          <a:fontRef idx="minor">
-            <a:schemeClr val="dk1"/>
-          </a:fontRef>
-        </p:style>
-        <p:txBody>
-          <a:bodyPr rtlCol="0" anchor="ctr"/>
-          <a:lstStyle/>
-          <a:p>
-            <a:pPr algn="ctr"/>
-            <a:r>
-              <a:rPr lang="en-US" sz="1400" dirty="0" err="1" smtClean="0"/>
-              <a:t>Zip_code</a:t>
-            </a:r>
-            <a:endParaRPr lang="en-US" sz="1400" dirty="0"/>
-          </a:p>
-        </p:txBody>
-      </p:sp>
       <p:sp>
         <p:nvSpPr>
           <p:cNvPr id="105" name="Rectangle 104"/>
@@ -6146,7 +5915,7 @@
         </p:nvSpPr>
         <p:spPr>
           <a:xfrm>
-            <a:off x="11199640" y="7275531"/>
+            <a:off x="12983865" y="5173097"/>
             <a:ext cx="2275656" cy="465703"/>
           </a:xfrm>
           <a:prstGeom prst="rect">
@@ -6174,46 +5943,12 @@
             <a:pPr algn="ctr"/>
             <a:r>
               <a:rPr lang="en-US" dirty="0" smtClean="0"/>
-              <a:t>State</a:t>
+              <a:t>Country</a:t>
             </a:r>
             <a:endParaRPr lang="en-US" dirty="0"/>
           </a:p>
         </p:txBody>
       </p:sp>
-      <p:cxnSp>
-        <p:nvCxnSpPr>
-          <p:cNvPr id="39" name="Elbow Connector 38"/>
-          <p:cNvCxnSpPr>
-            <a:stCxn id="105" idx="1"/>
-          </p:cNvCxnSpPr>
-          <p:nvPr/>
-        </p:nvCxnSpPr>
-        <p:spPr>
-          <a:xfrm rot="10800000">
-            <a:off x="4209750" y="5226267"/>
-            <a:ext cx="6989891" cy="2282117"/>
-          </a:xfrm>
-          <a:prstGeom prst="bentConnector3">
-            <a:avLst>
-              <a:gd name="adj1" fmla="val 24393"/>
-            </a:avLst>
-          </a:prstGeom>
-        </p:spPr>
-        <p:style>
-          <a:lnRef idx="1">
-            <a:schemeClr val="accent1"/>
-          </a:lnRef>
-          <a:fillRef idx="0">
-            <a:schemeClr val="accent1"/>
-          </a:fillRef>
-          <a:effectRef idx="0">
-            <a:schemeClr val="accent1"/>
-          </a:effectRef>
-          <a:fontRef idx="minor">
-            <a:schemeClr val="tx1"/>
-          </a:fontRef>
-        </p:style>
-      </p:cxnSp>
       <p:sp>
         <p:nvSpPr>
           <p:cNvPr id="118" name="TextBox 117"/>
@@ -6222,7 +5957,7 @@
         </p:nvSpPr>
         <p:spPr>
           <a:xfrm>
-            <a:off x="4215690" y="5329746"/>
+            <a:off x="3909066" y="3104401"/>
             <a:ext cx="459517" cy="430887"/>
           </a:xfrm>
           <a:prstGeom prst="rect">
@@ -6244,103 +5979,6 @@
           </a:p>
         </p:txBody>
       </p:sp>
-      <p:cxnSp>
-        <p:nvCxnSpPr>
-          <p:cNvPr id="119" name="Straight Connector 118"/>
-          <p:cNvCxnSpPr>
-            <a:stCxn id="103" idx="4"/>
-            <a:endCxn id="17" idx="1"/>
-          </p:cNvCxnSpPr>
-          <p:nvPr/>
-        </p:nvCxnSpPr>
-        <p:spPr>
-          <a:xfrm>
-            <a:off x="2357328" y="1055245"/>
-            <a:ext cx="1014104" cy="698452"/>
-          </a:xfrm>
-          <a:prstGeom prst="line">
-            <a:avLst/>
-          </a:prstGeom>
-        </p:spPr>
-        <p:style>
-          <a:lnRef idx="2">
-            <a:schemeClr val="accent1"/>
-          </a:lnRef>
-          <a:fillRef idx="1">
-            <a:schemeClr val="lt1"/>
-          </a:fillRef>
-          <a:effectRef idx="0">
-            <a:schemeClr val="accent1"/>
-          </a:effectRef>
-          <a:fontRef idx="minor">
-            <a:schemeClr val="dk1"/>
-          </a:fontRef>
-        </p:style>
-      </p:cxnSp>
-      <p:cxnSp>
-        <p:nvCxnSpPr>
-          <p:cNvPr id="121" name="Straight Connector 120"/>
-          <p:cNvCxnSpPr>
-            <a:stCxn id="99" idx="4"/>
-          </p:cNvCxnSpPr>
-          <p:nvPr/>
-        </p:nvCxnSpPr>
-        <p:spPr>
-          <a:xfrm flipH="1">
-            <a:off x="4249273" y="754144"/>
-            <a:ext cx="209681" cy="819898"/>
-          </a:xfrm>
-          <a:prstGeom prst="line">
-            <a:avLst/>
-          </a:prstGeom>
-        </p:spPr>
-        <p:style>
-          <a:lnRef idx="2">
-            <a:schemeClr val="accent1"/>
-          </a:lnRef>
-          <a:fillRef idx="1">
-            <a:schemeClr val="lt1"/>
-          </a:fillRef>
-          <a:effectRef idx="0">
-            <a:schemeClr val="accent1"/>
-          </a:effectRef>
-          <a:fontRef idx="minor">
-            <a:schemeClr val="dk1"/>
-          </a:fontRef>
-        </p:style>
-      </p:cxnSp>
-      <p:cxnSp>
-        <p:nvCxnSpPr>
-          <p:cNvPr id="123" name="Straight Connector 122"/>
-          <p:cNvCxnSpPr>
-            <a:stCxn id="101" idx="3"/>
-          </p:cNvCxnSpPr>
-          <p:nvPr/>
-        </p:nvCxnSpPr>
-        <p:spPr>
-          <a:xfrm flipH="1">
-            <a:off x="5020731" y="1136626"/>
-            <a:ext cx="880972" cy="677794"/>
-          </a:xfrm>
-          <a:prstGeom prst="line">
-            <a:avLst/>
-          </a:prstGeom>
-        </p:spPr>
-        <p:style>
-          <a:lnRef idx="2">
-            <a:schemeClr val="accent1"/>
-          </a:lnRef>
-          <a:fillRef idx="1">
-            <a:schemeClr val="lt1"/>
-          </a:fillRef>
-          <a:effectRef idx="0">
-            <a:schemeClr val="accent1"/>
-          </a:effectRef>
-          <a:fontRef idx="minor">
-            <a:schemeClr val="dk1"/>
-          </a:fontRef>
-        </p:style>
-      </p:cxnSp>
       <p:sp>
         <p:nvSpPr>
           <p:cNvPr id="129" name="TextBox 128"/>
@@ -6349,7 +5987,7 @@
         </p:nvSpPr>
         <p:spPr>
           <a:xfrm>
-            <a:off x="10600898" y="6959810"/>
+            <a:off x="12526108" y="4903113"/>
             <a:ext cx="459517" cy="430887"/>
           </a:xfrm>
           <a:prstGeom prst="rect">
@@ -6371,77 +6009,15 @@
           </a:p>
         </p:txBody>
       </p:sp>
-      <p:cxnSp>
-        <p:nvCxnSpPr>
-          <p:cNvPr id="131" name="Elbow Connector 130"/>
-          <p:cNvCxnSpPr/>
-          <p:nvPr/>
-        </p:nvCxnSpPr>
-        <p:spPr>
-          <a:xfrm rot="10800000">
-            <a:off x="3754768" y="6257866"/>
-            <a:ext cx="5389232" cy="3498655"/>
-          </a:xfrm>
-          <a:prstGeom prst="bentConnector3">
-            <a:avLst>
-              <a:gd name="adj1" fmla="val -179"/>
-            </a:avLst>
-          </a:prstGeom>
-        </p:spPr>
-        <p:style>
-          <a:lnRef idx="1">
-            <a:schemeClr val="accent1"/>
-          </a:lnRef>
-          <a:fillRef idx="0">
-            <a:schemeClr val="accent1"/>
-          </a:fillRef>
-          <a:effectRef idx="0">
-            <a:schemeClr val="accent1"/>
-          </a:effectRef>
-          <a:fontRef idx="minor">
-            <a:schemeClr val="tx1"/>
-          </a:fontRef>
-        </p:style>
-      </p:cxnSp>
-      <p:cxnSp>
-        <p:nvCxnSpPr>
-          <p:cNvPr id="115" name="Straight Connector 114"/>
-          <p:cNvCxnSpPr/>
-          <p:nvPr/>
-        </p:nvCxnSpPr>
-        <p:spPr>
-          <a:xfrm flipV="1">
-            <a:off x="3754767" y="5239417"/>
-            <a:ext cx="0" cy="1018448"/>
-          </a:xfrm>
-          <a:prstGeom prst="line">
-            <a:avLst/>
-          </a:prstGeom>
-        </p:spPr>
-        <p:style>
-          <a:lnRef idx="1">
-            <a:schemeClr val="accent1"/>
-          </a:lnRef>
-          <a:fillRef idx="0">
-            <a:schemeClr val="accent1"/>
-          </a:fillRef>
-          <a:effectRef idx="0">
-            <a:schemeClr val="accent1"/>
-          </a:effectRef>
-          <a:fontRef idx="minor">
-            <a:schemeClr val="tx1"/>
-          </a:fontRef>
-        </p:style>
-      </p:cxnSp>
-      <p:sp>
-        <p:nvSpPr>
-          <p:cNvPr id="141" name="TextBox 140"/>
+      <p:sp>
+        <p:nvSpPr>
+          <p:cNvPr id="142" name="TextBox 141"/>
           <p:cNvSpPr txBox="1"/>
           <p:nvPr/>
         </p:nvSpPr>
         <p:spPr>
           <a:xfrm>
-            <a:off x="3673960" y="6262419"/>
+            <a:off x="5407883" y="4750713"/>
             <a:ext cx="459517" cy="430887"/>
           </a:xfrm>
           <a:prstGeom prst="rect">
@@ -6465,117 +6041,13 @@
       </p:sp>
       <p:sp>
         <p:nvSpPr>
-          <p:cNvPr id="142" name="TextBox 141"/>
-          <p:cNvSpPr txBox="1"/>
-          <p:nvPr/>
-        </p:nvSpPr>
-        <p:spPr>
-          <a:xfrm>
-            <a:off x="9295308" y="9147348"/>
-            <a:ext cx="459517" cy="430887"/>
-          </a:xfrm>
-          <a:prstGeom prst="rect">
-            <a:avLst/>
-          </a:prstGeom>
-          <a:noFill/>
-        </p:spPr>
-        <p:txBody>
-          <a:bodyPr wrap="square" rtlCol="0">
-            <a:spAutoFit/>
-          </a:bodyPr>
-          <a:lstStyle/>
-          <a:p>
-            <a:r>
-              <a:rPr lang="en-US" dirty="0" smtClean="0"/>
-              <a:t>1</a:t>
-            </a:r>
-            <a:endParaRPr lang="en-US" dirty="0"/>
-          </a:p>
-        </p:txBody>
-      </p:sp>
-      <p:sp>
-        <p:nvSpPr>
-          <p:cNvPr id="143" name="Oval 142"/>
-          <p:cNvSpPr/>
-          <p:nvPr/>
-        </p:nvSpPr>
-        <p:spPr>
-          <a:xfrm>
-            <a:off x="13786980" y="8335627"/>
-            <a:ext cx="1905000" cy="602201"/>
-          </a:xfrm>
-          <a:prstGeom prst="ellipse">
-            <a:avLst/>
-          </a:prstGeom>
-        </p:spPr>
-        <p:style>
-          <a:lnRef idx="2">
-            <a:schemeClr val="accent1"/>
-          </a:lnRef>
-          <a:fillRef idx="1">
-            <a:schemeClr val="lt1"/>
-          </a:fillRef>
-          <a:effectRef idx="0">
-            <a:schemeClr val="accent1"/>
-          </a:effectRef>
-          <a:fontRef idx="minor">
-            <a:schemeClr val="dk1"/>
-          </a:fontRef>
-        </p:style>
-        <p:txBody>
-          <a:bodyPr rtlCol="0" anchor="ctr"/>
-          <a:lstStyle/>
-          <a:p>
-            <a:pPr algn="ctr"/>
-            <a:r>
-              <a:rPr lang="en-US" sz="1400" dirty="0" err="1" smtClean="0"/>
-              <a:t>User_id</a:t>
-            </a:r>
-            <a:endParaRPr lang="en-US" sz="1400" dirty="0"/>
-          </a:p>
-        </p:txBody>
-      </p:sp>
-      <p:cxnSp>
-        <p:nvCxnSpPr>
-          <p:cNvPr id="153" name="Straight Connector 152"/>
-          <p:cNvCxnSpPr>
-            <a:stCxn id="143" idx="1"/>
-          </p:cNvCxnSpPr>
-          <p:nvPr/>
-        </p:nvCxnSpPr>
-        <p:spPr>
-          <a:xfrm flipH="1" flipV="1">
-            <a:off x="13218357" y="7736621"/>
-            <a:ext cx="847604" cy="687196"/>
-          </a:xfrm>
-          <a:prstGeom prst="line">
-            <a:avLst/>
-          </a:prstGeom>
-        </p:spPr>
-        <p:style>
-          <a:lnRef idx="2">
-            <a:schemeClr val="accent1"/>
-          </a:lnRef>
-          <a:fillRef idx="1">
-            <a:schemeClr val="lt1"/>
-          </a:fillRef>
-          <a:effectRef idx="0">
-            <a:schemeClr val="accent1"/>
-          </a:effectRef>
-          <a:fontRef idx="minor">
-            <a:schemeClr val="dk1"/>
-          </a:fontRef>
-        </p:style>
-      </p:cxnSp>
-      <p:sp>
-        <p:nvSpPr>
           <p:cNvPr id="154" name="Oval 153"/>
           <p:cNvSpPr/>
           <p:nvPr/>
         </p:nvSpPr>
         <p:spPr>
           <a:xfrm>
-            <a:off x="11588474" y="8877942"/>
+            <a:off x="8915400" y="6539026"/>
             <a:ext cx="1905000" cy="602201"/>
           </a:xfrm>
           <a:prstGeom prst="ellipse">
@@ -6602,10 +6074,10 @@
           <a:p>
             <a:pPr algn="ctr"/>
             <a:r>
-              <a:rPr lang="en-US" sz="1400" dirty="0" err="1" smtClean="0"/>
-              <a:t>User_id</a:t>
-            </a:r>
-            <a:endParaRPr lang="en-US" sz="1400" dirty="0"/>
+              <a:rPr lang="en-US" sz="1400" u="sng" dirty="0" err="1" smtClean="0"/>
+              <a:t>Address_id</a:t>
+            </a:r>
+            <a:endParaRPr lang="en-US" sz="1400" u="sng" dirty="0"/>
           </a:p>
         </p:txBody>
       </p:sp>
@@ -6613,14 +6085,77 @@
         <p:nvCxnSpPr>
           <p:cNvPr id="155" name="Straight Connector 154"/>
           <p:cNvCxnSpPr>
-            <a:endCxn id="154" idx="3"/>
+            <a:endCxn id="154" idx="1"/>
           </p:cNvCxnSpPr>
           <p:nvPr/>
         </p:nvCxnSpPr>
         <p:spPr>
+          <a:xfrm>
+            <a:off x="8421671" y="5666899"/>
+            <a:ext cx="772710" cy="960317"/>
+          </a:xfrm>
+          <a:prstGeom prst="line">
+            <a:avLst/>
+          </a:prstGeom>
+        </p:spPr>
+        <p:style>
+          <a:lnRef idx="2">
+            <a:schemeClr val="accent1"/>
+          </a:lnRef>
+          <a:fillRef idx="1">
+            <a:schemeClr val="lt1"/>
+          </a:fillRef>
+          <a:effectRef idx="0">
+            <a:schemeClr val="accent1"/>
+          </a:effectRef>
+          <a:fontRef idx="minor">
+            <a:schemeClr val="dk1"/>
+          </a:fontRef>
+        </p:style>
+      </p:cxnSp>
+      <p:cxnSp>
+        <p:nvCxnSpPr>
+          <p:cNvPr id="14" name="Elbow Connector 13"/>
+          <p:cNvCxnSpPr/>
+          <p:nvPr/>
+        </p:nvCxnSpPr>
+        <p:spPr>
+          <a:xfrm rot="16200000" flipH="1">
+            <a:off x="473287" y="5112907"/>
+            <a:ext cx="6249189" cy="2145869"/>
+          </a:xfrm>
+          <a:prstGeom prst="bentConnector3">
+            <a:avLst/>
+          </a:prstGeom>
+        </p:spPr>
+        <p:style>
+          <a:lnRef idx="1">
+            <a:schemeClr val="accent1"/>
+          </a:lnRef>
+          <a:fillRef idx="0">
+            <a:schemeClr val="accent1"/>
+          </a:fillRef>
+          <a:effectRef idx="0">
+            <a:schemeClr val="accent1"/>
+          </a:effectRef>
+          <a:fontRef idx="minor">
+            <a:schemeClr val="tx1"/>
+          </a:fontRef>
+        </p:style>
+      </p:cxnSp>
+      <p:cxnSp>
+        <p:nvCxnSpPr>
+          <p:cNvPr id="116" name="Straight Connector 115"/>
+          <p:cNvCxnSpPr>
+            <a:stCxn id="73" idx="3"/>
+            <a:endCxn id="105" idx="1"/>
+          </p:cNvCxnSpPr>
+          <p:nvPr/>
+        </p:nvCxnSpPr>
+        <p:spPr>
           <a:xfrm flipV="1">
-            <a:off x="10966815" y="9391953"/>
-            <a:ext cx="900640" cy="345939"/>
+            <a:off x="9067800" y="5405949"/>
+            <a:ext cx="3916065" cy="28099"/>
           </a:xfrm>
           <a:prstGeom prst="line">
             <a:avLst/>
@@ -6641,6 +6176,662 @@
           </a:fontRef>
         </p:style>
       </p:cxnSp>
+      <p:cxnSp>
+        <p:nvCxnSpPr>
+          <p:cNvPr id="27" name="Elbow Connector 26"/>
+          <p:cNvCxnSpPr>
+            <a:endCxn id="73" idx="1"/>
+          </p:cNvCxnSpPr>
+          <p:nvPr/>
+        </p:nvCxnSpPr>
+        <p:spPr>
+          <a:xfrm>
+            <a:off x="3846266" y="4210786"/>
+            <a:ext cx="2945878" cy="1223262"/>
+          </a:xfrm>
+          <a:prstGeom prst="bentConnector3">
+            <a:avLst/>
+          </a:prstGeom>
+        </p:spPr>
+        <p:style>
+          <a:lnRef idx="1">
+            <a:schemeClr val="accent1"/>
+          </a:lnRef>
+          <a:fillRef idx="0">
+            <a:schemeClr val="accent1"/>
+          </a:fillRef>
+          <a:effectRef idx="0">
+            <a:schemeClr val="accent1"/>
+          </a:effectRef>
+          <a:fontRef idx="minor">
+            <a:schemeClr val="tx1"/>
+          </a:fontRef>
+        </p:style>
+      </p:cxnSp>
+      <p:sp>
+        <p:nvSpPr>
+          <p:cNvPr id="125" name="TextBox 124"/>
+          <p:cNvSpPr txBox="1"/>
+          <p:nvPr/>
+        </p:nvSpPr>
+        <p:spPr>
+          <a:xfrm>
+            <a:off x="9065483" y="4903113"/>
+            <a:ext cx="459517" cy="430887"/>
+          </a:xfrm>
+          <a:prstGeom prst="rect">
+            <a:avLst/>
+          </a:prstGeom>
+          <a:noFill/>
+        </p:spPr>
+        <p:txBody>
+          <a:bodyPr wrap="square" rtlCol="0">
+            <a:spAutoFit/>
+          </a:bodyPr>
+          <a:lstStyle/>
+          <a:p>
+            <a:r>
+              <a:rPr lang="en-US" dirty="0"/>
+              <a:t>M</a:t>
+            </a:r>
+            <a:endParaRPr lang="en-US" dirty="0"/>
+          </a:p>
+        </p:txBody>
+      </p:sp>
+      <p:cxnSp>
+        <p:nvCxnSpPr>
+          <p:cNvPr id="133" name="Straight Connector 132"/>
+          <p:cNvCxnSpPr/>
+          <p:nvPr/>
+        </p:nvCxnSpPr>
+        <p:spPr>
+          <a:xfrm flipV="1">
+            <a:off x="5876017" y="9486183"/>
+            <a:ext cx="12710783" cy="87823"/>
+          </a:xfrm>
+          <a:prstGeom prst="line">
+            <a:avLst/>
+          </a:prstGeom>
+        </p:spPr>
+        <p:style>
+          <a:lnRef idx="2">
+            <a:schemeClr val="accent1"/>
+          </a:lnRef>
+          <a:fillRef idx="1">
+            <a:schemeClr val="lt1"/>
+          </a:fillRef>
+          <a:effectRef idx="0">
+            <a:schemeClr val="accent1"/>
+          </a:effectRef>
+          <a:fontRef idx="minor">
+            <a:schemeClr val="dk1"/>
+          </a:fontRef>
+        </p:style>
+      </p:cxnSp>
+      <p:sp>
+        <p:nvSpPr>
+          <p:cNvPr id="134" name="TextBox 133"/>
+          <p:cNvSpPr txBox="1"/>
+          <p:nvPr/>
+        </p:nvSpPr>
+        <p:spPr>
+          <a:xfrm>
+            <a:off x="18133283" y="9448800"/>
+            <a:ext cx="459517" cy="430887"/>
+          </a:xfrm>
+          <a:prstGeom prst="rect">
+            <a:avLst/>
+          </a:prstGeom>
+          <a:noFill/>
+        </p:spPr>
+        <p:txBody>
+          <a:bodyPr wrap="square" rtlCol="0">
+            <a:spAutoFit/>
+          </a:bodyPr>
+          <a:lstStyle/>
+          <a:p>
+            <a:r>
+              <a:rPr lang="en-US" dirty="0" smtClean="0"/>
+              <a:t>1</a:t>
+            </a:r>
+            <a:endParaRPr lang="en-US" dirty="0"/>
+          </a:p>
+        </p:txBody>
+      </p:sp>
+      <p:sp>
+        <p:nvSpPr>
+          <p:cNvPr id="135" name="TextBox 134"/>
+          <p:cNvSpPr txBox="1"/>
+          <p:nvPr/>
+        </p:nvSpPr>
+        <p:spPr>
+          <a:xfrm>
+            <a:off x="6093683" y="9601200"/>
+            <a:ext cx="459517" cy="430887"/>
+          </a:xfrm>
+          <a:prstGeom prst="rect">
+            <a:avLst/>
+          </a:prstGeom>
+          <a:noFill/>
+        </p:spPr>
+        <p:txBody>
+          <a:bodyPr wrap="square" rtlCol="0">
+            <a:spAutoFit/>
+          </a:bodyPr>
+          <a:lstStyle/>
+          <a:p>
+            <a:r>
+              <a:rPr lang="en-US" dirty="0" smtClean="0"/>
+              <a:t>1</a:t>
+            </a:r>
+            <a:endParaRPr lang="en-US" dirty="0"/>
+          </a:p>
+        </p:txBody>
+      </p:sp>
+      <p:sp>
+        <p:nvSpPr>
+          <p:cNvPr id="136" name="Oval 135"/>
+          <p:cNvSpPr/>
+          <p:nvPr/>
+        </p:nvSpPr>
+        <p:spPr>
+          <a:xfrm>
+            <a:off x="8153400" y="3909686"/>
+            <a:ext cx="1905000" cy="602201"/>
+          </a:xfrm>
+          <a:prstGeom prst="ellipse">
+            <a:avLst/>
+          </a:prstGeom>
+        </p:spPr>
+        <p:style>
+          <a:lnRef idx="2">
+            <a:schemeClr val="accent1"/>
+          </a:lnRef>
+          <a:fillRef idx="1">
+            <a:schemeClr val="lt1"/>
+          </a:fillRef>
+          <a:effectRef idx="0">
+            <a:schemeClr val="accent1"/>
+          </a:effectRef>
+          <a:fontRef idx="minor">
+            <a:schemeClr val="dk1"/>
+          </a:fontRef>
+        </p:style>
+        <p:txBody>
+          <a:bodyPr rtlCol="0" anchor="ctr"/>
+          <a:lstStyle/>
+          <a:p>
+            <a:pPr algn="ctr"/>
+            <a:r>
+              <a:rPr lang="en-US" sz="1400" b="1" dirty="0" err="1" smtClean="0"/>
+              <a:t>User_id</a:t>
+            </a:r>
+            <a:endParaRPr lang="en-US" sz="1400" b="1" dirty="0"/>
+          </a:p>
+        </p:txBody>
+      </p:sp>
+      <p:cxnSp>
+        <p:nvCxnSpPr>
+          <p:cNvPr id="137" name="Straight Connector 136"/>
+          <p:cNvCxnSpPr/>
+          <p:nvPr/>
+        </p:nvCxnSpPr>
+        <p:spPr>
+          <a:xfrm flipH="1">
+            <a:off x="8161985" y="4511887"/>
+            <a:ext cx="601015" cy="688401"/>
+          </a:xfrm>
+          <a:prstGeom prst="line">
+            <a:avLst/>
+          </a:prstGeom>
+        </p:spPr>
+        <p:style>
+          <a:lnRef idx="2">
+            <a:schemeClr val="accent1"/>
+          </a:lnRef>
+          <a:fillRef idx="1">
+            <a:schemeClr val="lt1"/>
+          </a:fillRef>
+          <a:effectRef idx="0">
+            <a:schemeClr val="accent1"/>
+          </a:effectRef>
+          <a:fontRef idx="minor">
+            <a:schemeClr val="dk1"/>
+          </a:fontRef>
+        </p:style>
+      </p:cxnSp>
+      <p:sp>
+        <p:nvSpPr>
+          <p:cNvPr id="68" name="Diamond 67"/>
+          <p:cNvSpPr/>
+          <p:nvPr/>
+        </p:nvSpPr>
+        <p:spPr>
+          <a:xfrm>
+            <a:off x="6239980" y="1868169"/>
+            <a:ext cx="1735676" cy="1660182"/>
+          </a:xfrm>
+          <a:prstGeom prst="diamond">
+            <a:avLst/>
+          </a:prstGeom>
+        </p:spPr>
+        <p:style>
+          <a:lnRef idx="2">
+            <a:schemeClr val="accent1"/>
+          </a:lnRef>
+          <a:fillRef idx="1">
+            <a:schemeClr val="lt1"/>
+          </a:fillRef>
+          <a:effectRef idx="0">
+            <a:schemeClr val="accent1"/>
+          </a:effectRef>
+          <a:fontRef idx="minor">
+            <a:schemeClr val="dk1"/>
+          </a:fontRef>
+        </p:style>
+        <p:txBody>
+          <a:bodyPr rtlCol="0" anchor="ctr"/>
+          <a:lstStyle/>
+          <a:p>
+            <a:pPr algn="ctr"/>
+            <a:r>
+              <a:rPr lang="en-US" dirty="0" smtClean="0"/>
+              <a:t>Has</a:t>
+            </a:r>
+          </a:p>
+          <a:p>
+            <a:pPr algn="ctr"/>
+            <a:r>
+              <a:rPr lang="en-US" dirty="0"/>
+              <a:t>a</a:t>
+            </a:r>
+          </a:p>
+        </p:txBody>
+      </p:sp>
+      <p:sp>
+        <p:nvSpPr>
+          <p:cNvPr id="156" name="Diamond 155"/>
+          <p:cNvSpPr/>
+          <p:nvPr/>
+        </p:nvSpPr>
+        <p:spPr>
+          <a:xfrm>
+            <a:off x="13884635" y="1868168"/>
+            <a:ext cx="2314339" cy="1623966"/>
+          </a:xfrm>
+          <a:prstGeom prst="diamond">
+            <a:avLst/>
+          </a:prstGeom>
+        </p:spPr>
+        <p:style>
+          <a:lnRef idx="2">
+            <a:schemeClr val="accent1"/>
+          </a:lnRef>
+          <a:fillRef idx="1">
+            <a:schemeClr val="lt1"/>
+          </a:fillRef>
+          <a:effectRef idx="0">
+            <a:schemeClr val="accent1"/>
+          </a:effectRef>
+          <a:fontRef idx="minor">
+            <a:schemeClr val="dk1"/>
+          </a:fontRef>
+        </p:style>
+        <p:txBody>
+          <a:bodyPr rtlCol="0" anchor="ctr"/>
+          <a:lstStyle/>
+          <a:p>
+            <a:pPr algn="ctr"/>
+            <a:r>
+              <a:rPr lang="en-US" dirty="0" smtClean="0"/>
+              <a:t>Converted to</a:t>
+            </a:r>
+            <a:endParaRPr lang="en-US" dirty="0"/>
+          </a:p>
+        </p:txBody>
+      </p:sp>
+      <p:sp>
+        <p:nvSpPr>
+          <p:cNvPr id="157" name="Diamond 156"/>
+          <p:cNvSpPr/>
+          <p:nvPr/>
+        </p:nvSpPr>
+        <p:spPr>
+          <a:xfrm>
+            <a:off x="18726054" y="4826817"/>
+            <a:ext cx="2314339" cy="1623966"/>
+          </a:xfrm>
+          <a:prstGeom prst="diamond">
+            <a:avLst/>
+          </a:prstGeom>
+        </p:spPr>
+        <p:style>
+          <a:lnRef idx="2">
+            <a:schemeClr val="accent1"/>
+          </a:lnRef>
+          <a:fillRef idx="1">
+            <a:schemeClr val="lt1"/>
+          </a:fillRef>
+          <a:effectRef idx="0">
+            <a:schemeClr val="accent1"/>
+          </a:effectRef>
+          <a:fontRef idx="minor">
+            <a:schemeClr val="dk1"/>
+          </a:fontRef>
+        </p:style>
+        <p:txBody>
+          <a:bodyPr rtlCol="0" anchor="ctr"/>
+          <a:lstStyle/>
+          <a:p>
+            <a:pPr algn="ctr"/>
+            <a:r>
+              <a:rPr lang="en-US" dirty="0" smtClean="0"/>
+              <a:t>Converted to</a:t>
+            </a:r>
+            <a:endParaRPr lang="en-US" dirty="0"/>
+          </a:p>
+        </p:txBody>
+      </p:sp>
+      <p:sp>
+        <p:nvSpPr>
+          <p:cNvPr id="158" name="Diamond 157"/>
+          <p:cNvSpPr/>
+          <p:nvPr/>
+        </p:nvSpPr>
+        <p:spPr>
+          <a:xfrm>
+            <a:off x="11144610" y="8730638"/>
+            <a:ext cx="2330686" cy="1660182"/>
+          </a:xfrm>
+          <a:prstGeom prst="diamond">
+            <a:avLst/>
+          </a:prstGeom>
+        </p:spPr>
+        <p:style>
+          <a:lnRef idx="2">
+            <a:schemeClr val="accent1"/>
+          </a:lnRef>
+          <a:fillRef idx="1">
+            <a:schemeClr val="lt1"/>
+          </a:fillRef>
+          <a:effectRef idx="0">
+            <a:schemeClr val="accent1"/>
+          </a:effectRef>
+          <a:fontRef idx="minor">
+            <a:schemeClr val="dk1"/>
+          </a:fontRef>
+        </p:style>
+        <p:txBody>
+          <a:bodyPr rtlCol="0" anchor="ctr"/>
+          <a:lstStyle/>
+          <a:p>
+            <a:pPr algn="ctr"/>
+            <a:r>
+              <a:rPr lang="en-US" dirty="0" smtClean="0"/>
+              <a:t>Has</a:t>
+            </a:r>
+          </a:p>
+          <a:p>
+            <a:pPr algn="ctr"/>
+            <a:r>
+              <a:rPr lang="en-US" dirty="0"/>
+              <a:t>a</a:t>
+            </a:r>
+          </a:p>
+        </p:txBody>
+      </p:sp>
+      <p:sp>
+        <p:nvSpPr>
+          <p:cNvPr id="159" name="Diamond 158"/>
+          <p:cNvSpPr/>
+          <p:nvPr/>
+        </p:nvSpPr>
+        <p:spPr>
+          <a:xfrm>
+            <a:off x="4440067" y="4603957"/>
+            <a:ext cx="1735676" cy="1660182"/>
+          </a:xfrm>
+          <a:prstGeom prst="diamond">
+            <a:avLst/>
+          </a:prstGeom>
+        </p:spPr>
+        <p:style>
+          <a:lnRef idx="2">
+            <a:schemeClr val="accent1"/>
+          </a:lnRef>
+          <a:fillRef idx="1">
+            <a:schemeClr val="lt1"/>
+          </a:fillRef>
+          <a:effectRef idx="0">
+            <a:schemeClr val="accent1"/>
+          </a:effectRef>
+          <a:fontRef idx="minor">
+            <a:schemeClr val="dk1"/>
+          </a:fontRef>
+        </p:style>
+        <p:txBody>
+          <a:bodyPr rtlCol="0" anchor="ctr"/>
+          <a:lstStyle/>
+          <a:p>
+            <a:pPr algn="ctr"/>
+            <a:r>
+              <a:rPr lang="en-US" dirty="0" smtClean="0"/>
+              <a:t>Has</a:t>
+            </a:r>
+          </a:p>
+          <a:p>
+            <a:pPr algn="ctr"/>
+            <a:r>
+              <a:rPr lang="en-US" dirty="0"/>
+              <a:t>a</a:t>
+            </a:r>
+          </a:p>
+        </p:txBody>
+      </p:sp>
+      <p:sp>
+        <p:nvSpPr>
+          <p:cNvPr id="160" name="Diamond 159"/>
+          <p:cNvSpPr/>
+          <p:nvPr/>
+        </p:nvSpPr>
+        <p:spPr>
+          <a:xfrm>
+            <a:off x="10380124" y="4578393"/>
+            <a:ext cx="1735676" cy="1660182"/>
+          </a:xfrm>
+          <a:prstGeom prst="diamond">
+            <a:avLst/>
+          </a:prstGeom>
+        </p:spPr>
+        <p:style>
+          <a:lnRef idx="2">
+            <a:schemeClr val="accent1"/>
+          </a:lnRef>
+          <a:fillRef idx="1">
+            <a:schemeClr val="lt1"/>
+          </a:fillRef>
+          <a:effectRef idx="0">
+            <a:schemeClr val="accent1"/>
+          </a:effectRef>
+          <a:fontRef idx="minor">
+            <a:schemeClr val="dk1"/>
+          </a:fontRef>
+        </p:style>
+        <p:txBody>
+          <a:bodyPr rtlCol="0" anchor="ctr"/>
+          <a:lstStyle/>
+          <a:p>
+            <a:pPr algn="ctr"/>
+            <a:r>
+              <a:rPr lang="en-US" dirty="0" smtClean="0"/>
+              <a:t>Has</a:t>
+            </a:r>
+          </a:p>
+          <a:p>
+            <a:pPr algn="ctr"/>
+            <a:r>
+              <a:rPr lang="en-US" dirty="0"/>
+              <a:t>a</a:t>
+            </a:r>
+          </a:p>
+        </p:txBody>
+      </p:sp>
+      <p:sp>
+        <p:nvSpPr>
+          <p:cNvPr id="161" name="Diamond 160"/>
+          <p:cNvSpPr/>
+          <p:nvPr/>
+        </p:nvSpPr>
+        <p:spPr>
+          <a:xfrm>
+            <a:off x="2812877" y="5334000"/>
+            <a:ext cx="1735676" cy="1660182"/>
+          </a:xfrm>
+          <a:prstGeom prst="diamond">
+            <a:avLst/>
+          </a:prstGeom>
+        </p:spPr>
+        <p:style>
+          <a:lnRef idx="2">
+            <a:schemeClr val="accent1"/>
+          </a:lnRef>
+          <a:fillRef idx="1">
+            <a:schemeClr val="lt1"/>
+          </a:fillRef>
+          <a:effectRef idx="0">
+            <a:schemeClr val="accent1"/>
+          </a:effectRef>
+          <a:fontRef idx="minor">
+            <a:schemeClr val="dk1"/>
+          </a:fontRef>
+        </p:style>
+        <p:txBody>
+          <a:bodyPr rtlCol="0" anchor="ctr"/>
+          <a:lstStyle/>
+          <a:p>
+            <a:pPr algn="ctr"/>
+            <a:r>
+              <a:rPr lang="en-US" dirty="0" smtClean="0"/>
+              <a:t>Has</a:t>
+            </a:r>
+          </a:p>
+          <a:p>
+            <a:pPr algn="ctr"/>
+            <a:r>
+              <a:rPr lang="en-US" dirty="0"/>
+              <a:t>a</a:t>
+            </a:r>
+          </a:p>
+        </p:txBody>
+      </p:sp>
+      <p:sp>
+        <p:nvSpPr>
+          <p:cNvPr id="162" name="Diamond 161"/>
+          <p:cNvSpPr/>
+          <p:nvPr/>
+        </p:nvSpPr>
+        <p:spPr>
+          <a:xfrm>
+            <a:off x="3854510" y="10397490"/>
+            <a:ext cx="1543020" cy="1175403"/>
+          </a:xfrm>
+          <a:prstGeom prst="diamond">
+            <a:avLst/>
+          </a:prstGeom>
+        </p:spPr>
+        <p:style>
+          <a:lnRef idx="2">
+            <a:schemeClr val="accent1"/>
+          </a:lnRef>
+          <a:fillRef idx="1">
+            <a:schemeClr val="lt1"/>
+          </a:fillRef>
+          <a:effectRef idx="0">
+            <a:schemeClr val="accent1"/>
+          </a:effectRef>
+          <a:fontRef idx="minor">
+            <a:schemeClr val="dk1"/>
+          </a:fontRef>
+        </p:style>
+        <p:txBody>
+          <a:bodyPr rtlCol="0" anchor="ctr"/>
+          <a:lstStyle/>
+          <a:p>
+            <a:pPr algn="ctr"/>
+            <a:r>
+              <a:rPr lang="en-US" dirty="0" smtClean="0"/>
+              <a:t>Has</a:t>
+            </a:r>
+          </a:p>
+          <a:p>
+            <a:pPr algn="ctr"/>
+            <a:r>
+              <a:rPr lang="en-US" dirty="0"/>
+              <a:t>a</a:t>
+            </a:r>
+          </a:p>
+        </p:txBody>
+      </p:sp>
+      <p:cxnSp>
+        <p:nvCxnSpPr>
+          <p:cNvPr id="139" name="Straight Connector 138"/>
+          <p:cNvCxnSpPr/>
+          <p:nvPr/>
+        </p:nvCxnSpPr>
+        <p:spPr>
+          <a:xfrm flipV="1">
+            <a:off x="3846266" y="3048000"/>
+            <a:ext cx="0" cy="1162786"/>
+          </a:xfrm>
+          <a:prstGeom prst="line">
+            <a:avLst/>
+          </a:prstGeom>
+        </p:spPr>
+        <p:style>
+          <a:lnRef idx="1">
+            <a:schemeClr val="accent1"/>
+          </a:lnRef>
+          <a:fillRef idx="0">
+            <a:schemeClr val="accent1"/>
+          </a:fillRef>
+          <a:effectRef idx="0">
+            <a:schemeClr val="accent1"/>
+          </a:effectRef>
+          <a:fontRef idx="minor">
+            <a:schemeClr val="tx1"/>
+          </a:fontRef>
+        </p:style>
+      </p:cxnSp>
+      <p:sp>
+        <p:nvSpPr>
+          <p:cNvPr id="163" name="TextBox 162"/>
+          <p:cNvSpPr txBox="1"/>
+          <p:nvPr/>
+        </p:nvSpPr>
+        <p:spPr>
+          <a:xfrm>
+            <a:off x="6363899" y="4979313"/>
+            <a:ext cx="378601" cy="430887"/>
+          </a:xfrm>
+          <a:prstGeom prst="rect">
+            <a:avLst/>
+          </a:prstGeom>
+          <a:noFill/>
+        </p:spPr>
+        <p:txBody>
+          <a:bodyPr wrap="square" rtlCol="0">
+            <a:spAutoFit/>
+          </a:bodyPr>
+          <a:lstStyle/>
+          <a:p>
+            <a:r>
+              <a:rPr lang="en-US" dirty="0" smtClean="0"/>
+              <a:t>1</a:t>
+            </a:r>
+            <a:endParaRPr lang="en-US" dirty="0"/>
+          </a:p>
+        </p:txBody>
+      </p:sp>
     </p:spTree>
     <p:extLst>
       <p:ext uri="{BB962C8B-B14F-4D97-AF65-F5344CB8AC3E}">

--- a/GIT/ERD_Internet_Service.pptx
+++ b/GIT/ERD_Internet_Service.pptx
@@ -289,7 +289,7 @@
             <a:fld id="{1D8BD707-D9CF-40AE-B4C6-C98DA3205C09}" type="datetimeFigureOut">
               <a:rPr lang="en-US" smtClean="0"/>
               <a:pPr/>
-              <a:t>10-Nov-21</a:t>
+              <a:t>11-Nov-21</a:t>
             </a:fld>
             <a:endParaRPr lang="en-US"/>
           </a:p>
@@ -456,7 +456,7 @@
             <a:fld id="{1D8BD707-D9CF-40AE-B4C6-C98DA3205C09}" type="datetimeFigureOut">
               <a:rPr lang="en-US" smtClean="0"/>
               <a:pPr/>
-              <a:t>10-Nov-21</a:t>
+              <a:t>11-Nov-21</a:t>
             </a:fld>
             <a:endParaRPr lang="en-US"/>
           </a:p>
@@ -633,7 +633,7 @@
             <a:fld id="{1D8BD707-D9CF-40AE-B4C6-C98DA3205C09}" type="datetimeFigureOut">
               <a:rPr lang="en-US" smtClean="0"/>
               <a:pPr/>
-              <a:t>10-Nov-21</a:t>
+              <a:t>11-Nov-21</a:t>
             </a:fld>
             <a:endParaRPr lang="en-US"/>
           </a:p>
@@ -800,7 +800,7 @@
             <a:fld id="{1D8BD707-D9CF-40AE-B4C6-C98DA3205C09}" type="datetimeFigureOut">
               <a:rPr lang="en-US" smtClean="0"/>
               <a:pPr/>
-              <a:t>10-Nov-21</a:t>
+              <a:t>11-Nov-21</a:t>
             </a:fld>
             <a:endParaRPr lang="en-US"/>
           </a:p>
@@ -1043,7 +1043,7 @@
             <a:fld id="{1D8BD707-D9CF-40AE-B4C6-C98DA3205C09}" type="datetimeFigureOut">
               <a:rPr lang="en-US" smtClean="0"/>
               <a:pPr/>
-              <a:t>10-Nov-21</a:t>
+              <a:t>11-Nov-21</a:t>
             </a:fld>
             <a:endParaRPr lang="en-US"/>
           </a:p>
@@ -1328,7 +1328,7 @@
             <a:fld id="{1D8BD707-D9CF-40AE-B4C6-C98DA3205C09}" type="datetimeFigureOut">
               <a:rPr lang="en-US" smtClean="0"/>
               <a:pPr/>
-              <a:t>10-Nov-21</a:t>
+              <a:t>11-Nov-21</a:t>
             </a:fld>
             <a:endParaRPr lang="en-US"/>
           </a:p>
@@ -1747,7 +1747,7 @@
             <a:fld id="{1D8BD707-D9CF-40AE-B4C6-C98DA3205C09}" type="datetimeFigureOut">
               <a:rPr lang="en-US" smtClean="0"/>
               <a:pPr/>
-              <a:t>10-Nov-21</a:t>
+              <a:t>11-Nov-21</a:t>
             </a:fld>
             <a:endParaRPr lang="en-US"/>
           </a:p>
@@ -1862,7 +1862,7 @@
             <a:fld id="{1D8BD707-D9CF-40AE-B4C6-C98DA3205C09}" type="datetimeFigureOut">
               <a:rPr lang="en-US" smtClean="0"/>
               <a:pPr/>
-              <a:t>10-Nov-21</a:t>
+              <a:t>11-Nov-21</a:t>
             </a:fld>
             <a:endParaRPr lang="en-US"/>
           </a:p>
@@ -1954,7 +1954,7 @@
             <a:fld id="{1D8BD707-D9CF-40AE-B4C6-C98DA3205C09}" type="datetimeFigureOut">
               <a:rPr lang="en-US" smtClean="0"/>
               <a:pPr/>
-              <a:t>10-Nov-21</a:t>
+              <a:t>11-Nov-21</a:t>
             </a:fld>
             <a:endParaRPr lang="en-US"/>
           </a:p>
@@ -2228,7 +2228,7 @@
             <a:fld id="{1D8BD707-D9CF-40AE-B4C6-C98DA3205C09}" type="datetimeFigureOut">
               <a:rPr lang="en-US" smtClean="0"/>
               <a:pPr/>
-              <a:t>10-Nov-21</a:t>
+              <a:t>11-Nov-21</a:t>
             </a:fld>
             <a:endParaRPr lang="en-US"/>
           </a:p>
@@ -2478,7 +2478,7 @@
             <a:fld id="{1D8BD707-D9CF-40AE-B4C6-C98DA3205C09}" type="datetimeFigureOut">
               <a:rPr lang="en-US" smtClean="0"/>
               <a:pPr/>
-              <a:t>10-Nov-21</a:t>
+              <a:t>11-Nov-21</a:t>
             </a:fld>
             <a:endParaRPr lang="en-US"/>
           </a:p>
@@ -2688,7 +2688,7 @@
             <a:fld id="{1D8BD707-D9CF-40AE-B4C6-C98DA3205C09}" type="datetimeFigureOut">
               <a:rPr lang="en-US" smtClean="0"/>
               <a:pPr/>
-              <a:t>10-Nov-21</a:t>
+              <a:t>11-Nov-21</a:t>
             </a:fld>
             <a:endParaRPr lang="en-US"/>
           </a:p>
@@ -5327,7 +5327,6 @@
               <a:rPr lang="en-US" dirty="0"/>
               <a:t>1</a:t>
             </a:r>
-            <a:endParaRPr lang="en-US" dirty="0"/>
           </a:p>
         </p:txBody>
       </p:sp>
@@ -6234,7 +6233,6 @@
               <a:rPr lang="en-US" dirty="0"/>
               <a:t>M</a:t>
             </a:r>
-            <a:endParaRPr lang="en-US" dirty="0"/>
           </a:p>
         </p:txBody>
       </p:sp>
@@ -6306,7 +6304,7 @@
         </p:nvSpPr>
         <p:spPr>
           <a:xfrm>
-            <a:off x="6093683" y="9601200"/>
+            <a:off x="5943600" y="9601200"/>
             <a:ext cx="459517" cy="430887"/>
           </a:xfrm>
           <a:prstGeom prst="rect">
@@ -6540,7 +6538,7 @@
         </p:nvSpPr>
         <p:spPr>
           <a:xfrm>
-            <a:off x="11144610" y="8730638"/>
+            <a:off x="14649091" y="8700003"/>
             <a:ext cx="2330686" cy="1660182"/>
           </a:xfrm>
           <a:prstGeom prst="diamond">
@@ -6832,6 +6830,374 @@
           </a:p>
         </p:txBody>
       </p:sp>
+      <p:sp>
+        <p:nvSpPr>
+          <p:cNvPr id="107" name="Rectangle 106"/>
+          <p:cNvSpPr/>
+          <p:nvPr/>
+        </p:nvSpPr>
+        <p:spPr>
+          <a:xfrm>
+            <a:off x="11047179" y="9208761"/>
+            <a:ext cx="1938446" cy="554843"/>
+          </a:xfrm>
+          <a:prstGeom prst="rect">
+            <a:avLst/>
+          </a:prstGeom>
+        </p:spPr>
+        <p:style>
+          <a:lnRef idx="2">
+            <a:schemeClr val="accent1"/>
+          </a:lnRef>
+          <a:fillRef idx="1">
+            <a:schemeClr val="lt1"/>
+          </a:fillRef>
+          <a:effectRef idx="0">
+            <a:schemeClr val="accent1"/>
+          </a:effectRef>
+          <a:fontRef idx="minor">
+            <a:schemeClr val="dk1"/>
+          </a:fontRef>
+        </p:style>
+        <p:txBody>
+          <a:bodyPr rtlCol="0" anchor="ctr"/>
+          <a:lstStyle/>
+          <a:p>
+            <a:pPr algn="ctr"/>
+            <a:r>
+              <a:rPr lang="en-US" dirty="0" err="1" smtClean="0"/>
+              <a:t>Emp_account</a:t>
+            </a:r>
+            <a:endParaRPr lang="en-US" dirty="0"/>
+          </a:p>
+        </p:txBody>
+      </p:sp>
+      <p:sp>
+        <p:nvSpPr>
+          <p:cNvPr id="109" name="TextBox 108"/>
+          <p:cNvSpPr txBox="1"/>
+          <p:nvPr/>
+        </p:nvSpPr>
+        <p:spPr>
+          <a:xfrm>
+            <a:off x="10503504" y="9628082"/>
+            <a:ext cx="459517" cy="430887"/>
+          </a:xfrm>
+          <a:prstGeom prst="rect">
+            <a:avLst/>
+          </a:prstGeom>
+          <a:noFill/>
+        </p:spPr>
+        <p:txBody>
+          <a:bodyPr wrap="square" rtlCol="0">
+            <a:spAutoFit/>
+          </a:bodyPr>
+          <a:lstStyle/>
+          <a:p>
+            <a:r>
+              <a:rPr lang="en-US" dirty="0"/>
+              <a:t>M</a:t>
+            </a:r>
+            <a:endParaRPr lang="en-US" dirty="0"/>
+          </a:p>
+        </p:txBody>
+      </p:sp>
+      <p:sp>
+        <p:nvSpPr>
+          <p:cNvPr id="111" name="TextBox 110"/>
+          <p:cNvSpPr txBox="1"/>
+          <p:nvPr/>
+        </p:nvSpPr>
+        <p:spPr>
+          <a:xfrm>
+            <a:off x="13138025" y="9601200"/>
+            <a:ext cx="459517" cy="430887"/>
+          </a:xfrm>
+          <a:prstGeom prst="rect">
+            <a:avLst/>
+          </a:prstGeom>
+          <a:noFill/>
+        </p:spPr>
+        <p:txBody>
+          <a:bodyPr wrap="square" rtlCol="0">
+            <a:spAutoFit/>
+          </a:bodyPr>
+          <a:lstStyle/>
+          <a:p>
+            <a:r>
+              <a:rPr lang="en-US" dirty="0"/>
+              <a:t>M</a:t>
+            </a:r>
+            <a:endParaRPr lang="en-US" dirty="0"/>
+          </a:p>
+        </p:txBody>
+      </p:sp>
+      <p:sp>
+        <p:nvSpPr>
+          <p:cNvPr id="113" name="Diamond 112"/>
+          <p:cNvSpPr/>
+          <p:nvPr/>
+        </p:nvSpPr>
+        <p:spPr>
+          <a:xfrm>
+            <a:off x="7194314" y="8677650"/>
+            <a:ext cx="2330686" cy="1660182"/>
+          </a:xfrm>
+          <a:prstGeom prst="diamond">
+            <a:avLst/>
+          </a:prstGeom>
+        </p:spPr>
+        <p:style>
+          <a:lnRef idx="2">
+            <a:schemeClr val="accent1"/>
+          </a:lnRef>
+          <a:fillRef idx="1">
+            <a:schemeClr val="lt1"/>
+          </a:fillRef>
+          <a:effectRef idx="0">
+            <a:schemeClr val="accent1"/>
+          </a:effectRef>
+          <a:fontRef idx="minor">
+            <a:schemeClr val="dk1"/>
+          </a:fontRef>
+        </p:style>
+        <p:txBody>
+          <a:bodyPr rtlCol="0" anchor="ctr"/>
+          <a:lstStyle/>
+          <a:p>
+            <a:pPr algn="ctr"/>
+            <a:r>
+              <a:rPr lang="en-US" dirty="0" smtClean="0"/>
+              <a:t>Has</a:t>
+            </a:r>
+          </a:p>
+          <a:p>
+            <a:pPr algn="ctr"/>
+            <a:r>
+              <a:rPr lang="en-US" dirty="0"/>
+              <a:t>a</a:t>
+            </a:r>
+          </a:p>
+        </p:txBody>
+      </p:sp>
+      <p:sp>
+        <p:nvSpPr>
+          <p:cNvPr id="115" name="Oval 114"/>
+          <p:cNvSpPr/>
+          <p:nvPr/>
+        </p:nvSpPr>
+        <p:spPr>
+          <a:xfrm>
+            <a:off x="9083947" y="10985191"/>
+            <a:ext cx="2291615" cy="602201"/>
+          </a:xfrm>
+          <a:prstGeom prst="ellipse">
+            <a:avLst/>
+          </a:prstGeom>
+        </p:spPr>
+        <p:style>
+          <a:lnRef idx="2">
+            <a:schemeClr val="accent1"/>
+          </a:lnRef>
+          <a:fillRef idx="1">
+            <a:schemeClr val="lt1"/>
+          </a:fillRef>
+          <a:effectRef idx="0">
+            <a:schemeClr val="accent1"/>
+          </a:effectRef>
+          <a:fontRef idx="minor">
+            <a:schemeClr val="dk1"/>
+          </a:fontRef>
+        </p:style>
+        <p:txBody>
+          <a:bodyPr rtlCol="0" anchor="ctr"/>
+          <a:lstStyle/>
+          <a:p>
+            <a:pPr algn="ctr"/>
+            <a:r>
+              <a:rPr lang="en-US" sz="1400" dirty="0" err="1" smtClean="0"/>
+              <a:t>Emp_Acc_id</a:t>
+            </a:r>
+            <a:endParaRPr lang="en-US" sz="1400" dirty="0"/>
+          </a:p>
+        </p:txBody>
+      </p:sp>
+      <p:sp>
+        <p:nvSpPr>
+          <p:cNvPr id="119" name="Oval 118"/>
+          <p:cNvSpPr/>
+          <p:nvPr/>
+        </p:nvSpPr>
+        <p:spPr>
+          <a:xfrm>
+            <a:off x="11067530" y="11599255"/>
+            <a:ext cx="2291615" cy="602201"/>
+          </a:xfrm>
+          <a:prstGeom prst="ellipse">
+            <a:avLst/>
+          </a:prstGeom>
+        </p:spPr>
+        <p:style>
+          <a:lnRef idx="2">
+            <a:schemeClr val="accent1"/>
+          </a:lnRef>
+          <a:fillRef idx="1">
+            <a:schemeClr val="lt1"/>
+          </a:fillRef>
+          <a:effectRef idx="0">
+            <a:schemeClr val="accent1"/>
+          </a:effectRef>
+          <a:fontRef idx="minor">
+            <a:schemeClr val="dk1"/>
+          </a:fontRef>
+        </p:style>
+        <p:txBody>
+          <a:bodyPr rtlCol="0" anchor="ctr"/>
+          <a:lstStyle/>
+          <a:p>
+            <a:pPr algn="ctr"/>
+            <a:r>
+              <a:rPr lang="en-US" sz="1400" b="1" dirty="0" err="1" smtClean="0"/>
+              <a:t>Emp_id</a:t>
+            </a:r>
+            <a:endParaRPr lang="en-US" sz="1400" b="1" dirty="0"/>
+          </a:p>
+        </p:txBody>
+      </p:sp>
+      <p:sp>
+        <p:nvSpPr>
+          <p:cNvPr id="121" name="Oval 120"/>
+          <p:cNvSpPr/>
+          <p:nvPr/>
+        </p:nvSpPr>
+        <p:spPr>
+          <a:xfrm>
+            <a:off x="12768746" y="10960015"/>
+            <a:ext cx="2291615" cy="602201"/>
+          </a:xfrm>
+          <a:prstGeom prst="ellipse">
+            <a:avLst/>
+          </a:prstGeom>
+        </p:spPr>
+        <p:style>
+          <a:lnRef idx="2">
+            <a:schemeClr val="accent1"/>
+          </a:lnRef>
+          <a:fillRef idx="1">
+            <a:schemeClr val="lt1"/>
+          </a:fillRef>
+          <a:effectRef idx="0">
+            <a:schemeClr val="accent1"/>
+          </a:effectRef>
+          <a:fontRef idx="minor">
+            <a:schemeClr val="dk1"/>
+          </a:fontRef>
+        </p:style>
+        <p:txBody>
+          <a:bodyPr rtlCol="0" anchor="ctr"/>
+          <a:lstStyle/>
+          <a:p>
+            <a:pPr algn="ctr"/>
+            <a:r>
+              <a:rPr lang="en-US" sz="1400" b="1" dirty="0" err="1" smtClean="0"/>
+              <a:t>Acc_id</a:t>
+            </a:r>
+            <a:endParaRPr lang="en-US" sz="1400" b="1" dirty="0"/>
+          </a:p>
+        </p:txBody>
+      </p:sp>
+      <p:cxnSp>
+        <p:nvCxnSpPr>
+          <p:cNvPr id="123" name="Straight Connector 122"/>
+          <p:cNvCxnSpPr/>
+          <p:nvPr/>
+        </p:nvCxnSpPr>
+        <p:spPr>
+          <a:xfrm flipH="1">
+            <a:off x="10763380" y="9763604"/>
+            <a:ext cx="762458" cy="1275583"/>
+          </a:xfrm>
+          <a:prstGeom prst="line">
+            <a:avLst/>
+          </a:prstGeom>
+        </p:spPr>
+        <p:style>
+          <a:lnRef idx="2">
+            <a:schemeClr val="accent1"/>
+          </a:lnRef>
+          <a:fillRef idx="1">
+            <a:schemeClr val="lt1"/>
+          </a:fillRef>
+          <a:effectRef idx="0">
+            <a:schemeClr val="accent1"/>
+          </a:effectRef>
+          <a:fontRef idx="minor">
+            <a:schemeClr val="dk1"/>
+          </a:fontRef>
+        </p:style>
+      </p:cxnSp>
+      <p:cxnSp>
+        <p:nvCxnSpPr>
+          <p:cNvPr id="127" name="Straight Connector 126"/>
+          <p:cNvCxnSpPr>
+            <a:stCxn id="107" idx="2"/>
+          </p:cNvCxnSpPr>
+          <p:nvPr/>
+        </p:nvCxnSpPr>
+        <p:spPr>
+          <a:xfrm>
+            <a:off x="12016402" y="9763604"/>
+            <a:ext cx="47612" cy="1835651"/>
+          </a:xfrm>
+          <a:prstGeom prst="line">
+            <a:avLst/>
+          </a:prstGeom>
+        </p:spPr>
+        <p:style>
+          <a:lnRef idx="2">
+            <a:schemeClr val="accent1"/>
+          </a:lnRef>
+          <a:fillRef idx="1">
+            <a:schemeClr val="lt1"/>
+          </a:fillRef>
+          <a:effectRef idx="0">
+            <a:schemeClr val="accent1"/>
+          </a:effectRef>
+          <a:fontRef idx="minor">
+            <a:schemeClr val="dk1"/>
+          </a:fontRef>
+        </p:style>
+      </p:cxnSp>
+      <p:cxnSp>
+        <p:nvCxnSpPr>
+          <p:cNvPr id="131" name="Straight Connector 130"/>
+          <p:cNvCxnSpPr/>
+          <p:nvPr/>
+        </p:nvCxnSpPr>
+        <p:spPr>
+          <a:xfrm>
+            <a:off x="12526108" y="9763604"/>
+            <a:ext cx="889287" cy="1212229"/>
+          </a:xfrm>
+          <a:prstGeom prst="line">
+            <a:avLst/>
+          </a:prstGeom>
+        </p:spPr>
+        <p:style>
+          <a:lnRef idx="2">
+            <a:schemeClr val="accent1"/>
+          </a:lnRef>
+          <a:fillRef idx="1">
+            <a:schemeClr val="lt1"/>
+          </a:fillRef>
+          <a:effectRef idx="0">
+            <a:schemeClr val="accent1"/>
+          </a:effectRef>
+          <a:fontRef idx="minor">
+            <a:schemeClr val="dk1"/>
+          </a:fontRef>
+        </p:style>
+      </p:cxnSp>
     </p:spTree>
     <p:extLst>
       <p:ext uri="{BB962C8B-B14F-4D97-AF65-F5344CB8AC3E}">

--- a/GIT/ERD_Internet_Service.pptx
+++ b/GIT/ERD_Internet_Service.pptx
@@ -3281,7 +3281,7 @@
         </p:nvSpPr>
         <p:spPr>
           <a:xfrm>
-            <a:off x="3585882" y="925044"/>
+            <a:off x="4291058" y="1047128"/>
             <a:ext cx="1905000" cy="602201"/>
           </a:xfrm>
           <a:prstGeom prst="ellipse">
@@ -3323,7 +3323,7 @@
         </p:nvSpPr>
         <p:spPr>
           <a:xfrm>
-            <a:off x="1941266" y="158148"/>
+            <a:off x="1375717" y="282573"/>
             <a:ext cx="1905000" cy="602201"/>
           </a:xfrm>
           <a:prstGeom prst="ellipse">
@@ -3556,10 +3556,10 @@
           <a:p>
             <a:pPr algn="ctr"/>
             <a:r>
-              <a:rPr lang="en-US" sz="1400" dirty="0" err="1" smtClean="0"/>
+              <a:rPr lang="en-US" sz="1400" b="1" dirty="0" err="1" smtClean="0"/>
               <a:t>User_id</a:t>
             </a:r>
-            <a:endParaRPr lang="en-US" sz="1400" dirty="0"/>
+            <a:endParaRPr lang="en-US" sz="1400" b="1" dirty="0"/>
           </a:p>
         </p:txBody>
       </p:sp>
@@ -3681,6 +3681,10 @@
           <a:lstStyle/>
           <a:p>
             <a:pPr algn="ctr"/>
+            <a:r>
+              <a:rPr lang="en-US" sz="1400" dirty="0" err="1" smtClean="0"/>
+              <a:t>Is_deleted</a:t>
+            </a:r>
             <a:endParaRPr lang="en-US" sz="1400" dirty="0" smtClean="0"/>
           </a:p>
         </p:txBody>
@@ -3720,10 +3724,10 @@
           <a:p>
             <a:pPr algn="ctr"/>
             <a:r>
-              <a:rPr lang="en-US" sz="1400" dirty="0" err="1" smtClean="0"/>
+              <a:rPr lang="en-US" sz="1400" b="1" dirty="0" err="1" smtClean="0"/>
               <a:t>Lead_id</a:t>
             </a:r>
-            <a:endParaRPr lang="en-US" sz="1400" dirty="0"/>
+            <a:endParaRPr lang="en-US" sz="1400" b="1" dirty="0"/>
           </a:p>
         </p:txBody>
       </p:sp>
@@ -3861,7 +3865,7 @@
         </p:nvSpPr>
         <p:spPr>
           <a:xfrm>
-            <a:off x="20640935" y="10741792"/>
+            <a:off x="20309874" y="11009365"/>
             <a:ext cx="2291615" cy="602201"/>
           </a:xfrm>
           <a:prstGeom prst="ellipse">
@@ -3889,7 +3893,7 @@
             <a:pPr algn="ctr"/>
             <a:r>
               <a:rPr lang="en-US" sz="1400" dirty="0" err="1" smtClean="0"/>
-              <a:t>Acc_id</a:t>
+              <a:t>Cerated_at</a:t>
             </a:r>
             <a:endParaRPr lang="en-US" sz="1400" dirty="0"/>
           </a:p>
@@ -4097,6 +4101,10 @@
           <a:lstStyle/>
           <a:p>
             <a:pPr algn="ctr"/>
+            <a:r>
+              <a:rPr lang="en-US" sz="1400" dirty="0" smtClean="0"/>
+              <a:t>status</a:t>
+            </a:r>
             <a:endParaRPr lang="en-US" sz="1400" dirty="0"/>
           </a:p>
         </p:txBody>
@@ -4346,8 +4354,8 @@
           <a:p>
             <a:pPr algn="ctr"/>
             <a:r>
-              <a:rPr lang="en-US" sz="1400" dirty="0" smtClean="0"/>
-              <a:t>Description</a:t>
+              <a:rPr lang="en-US" sz="1400" dirty="0" err="1" smtClean="0"/>
+              <a:t>Created_at</a:t>
             </a:r>
             <a:endParaRPr lang="en-US" sz="1400" dirty="0"/>
           </a:p>
@@ -4492,8 +4500,8 @@
         </p:nvCxnSpPr>
         <p:spPr>
           <a:xfrm>
-            <a:off x="1905000" y="2183249"/>
-            <a:ext cx="767174" cy="279622"/>
+            <a:off x="1905000" y="2169269"/>
+            <a:ext cx="527427" cy="301100"/>
           </a:xfrm>
           <a:prstGeom prst="line">
             <a:avLst/>
@@ -4517,16 +4525,13 @@
       <p:cxnSp>
         <p:nvCxnSpPr>
           <p:cNvPr id="78" name="Straight Connector 77"/>
-          <p:cNvCxnSpPr>
-            <a:stCxn id="31" idx="5"/>
-            <a:endCxn id="4" idx="0"/>
-          </p:cNvCxnSpPr>
+          <p:cNvCxnSpPr/>
           <p:nvPr/>
         </p:nvCxnSpPr>
         <p:spPr>
           <a:xfrm>
-            <a:off x="1930890" y="1561140"/>
-            <a:ext cx="1111938" cy="979256"/>
+            <a:off x="1883509" y="1561140"/>
+            <a:ext cx="889204" cy="979256"/>
           </a:xfrm>
           <a:prstGeom prst="line">
             <a:avLst/>
@@ -4557,8 +4562,8 @@
         </p:nvCxnSpPr>
         <p:spPr>
           <a:xfrm flipV="1">
-            <a:off x="3634368" y="2183249"/>
-            <a:ext cx="538703" cy="279622"/>
+            <a:off x="3680715" y="2169269"/>
+            <a:ext cx="492356" cy="371127"/>
           </a:xfrm>
           <a:prstGeom prst="line">
             <a:avLst/>
@@ -4582,15 +4587,13 @@
       <p:cxnSp>
         <p:nvCxnSpPr>
           <p:cNvPr id="80" name="Straight Connector 79"/>
-          <p:cNvCxnSpPr>
-            <a:stCxn id="30" idx="4"/>
-          </p:cNvCxnSpPr>
+          <p:cNvCxnSpPr/>
           <p:nvPr/>
         </p:nvCxnSpPr>
         <p:spPr>
           <a:xfrm>
-            <a:off x="2893766" y="760349"/>
-            <a:ext cx="330082" cy="1780047"/>
+            <a:off x="2375655" y="884774"/>
+            <a:ext cx="525062" cy="1650781"/>
           </a:xfrm>
           <a:prstGeom prst="line">
             <a:avLst/>
@@ -4621,8 +4624,8 @@
         </p:nvCxnSpPr>
         <p:spPr>
           <a:xfrm flipH="1">
-            <a:off x="3318048" y="1489109"/>
-            <a:ext cx="546815" cy="1001088"/>
+            <a:off x="3480211" y="1561139"/>
+            <a:ext cx="1089828" cy="979257"/>
           </a:xfrm>
           <a:prstGeom prst="line">
             <a:avLst/>
@@ -5250,7 +5253,7 @@
         <p:spPr>
           <a:xfrm>
             <a:off x="20102269" y="9700301"/>
-            <a:ext cx="681850" cy="1178562"/>
+            <a:ext cx="736222" cy="1383796"/>
           </a:xfrm>
           <a:prstGeom prst="line">
             <a:avLst/>
@@ -6334,7 +6337,7 @@
         </p:nvSpPr>
         <p:spPr>
           <a:xfrm>
-            <a:off x="8153400" y="3909686"/>
+            <a:off x="3597882" y="116039"/>
             <a:ext cx="1905000" cy="602201"/>
           </a:xfrm>
           <a:prstGeom prst="ellipse">
@@ -6362,7 +6365,7 @@
             <a:pPr algn="ctr"/>
             <a:r>
               <a:rPr lang="en-US" sz="1400" b="1" dirty="0" err="1" smtClean="0"/>
-              <a:t>User_id</a:t>
+              <a:t>Address_id</a:t>
             </a:r>
             <a:endParaRPr lang="en-US" sz="1400" b="1" dirty="0"/>
           </a:p>
@@ -6371,13 +6374,15 @@
       <p:cxnSp>
         <p:nvCxnSpPr>
           <p:cNvPr id="137" name="Straight Connector 136"/>
-          <p:cNvCxnSpPr/>
+          <p:cNvCxnSpPr>
+            <a:stCxn id="136" idx="3"/>
+          </p:cNvCxnSpPr>
           <p:nvPr/>
         </p:nvCxnSpPr>
         <p:spPr>
           <a:xfrm flipH="1">
-            <a:off x="8161985" y="4511887"/>
-            <a:ext cx="601015" cy="688401"/>
+            <a:off x="3278305" y="630050"/>
+            <a:ext cx="598558" cy="1962890"/>
           </a:xfrm>
           <a:prstGeom prst="line">
             <a:avLst/>
@@ -6898,7 +6903,6 @@
               <a:rPr lang="en-US" dirty="0"/>
               <a:t>M</a:t>
             </a:r>
-            <a:endParaRPr lang="en-US" dirty="0"/>
           </a:p>
         </p:txBody>
       </p:sp>
@@ -6928,7 +6932,6 @@
               <a:rPr lang="en-US" dirty="0"/>
               <a:t>M</a:t>
             </a:r>
-            <a:endParaRPr lang="en-US" dirty="0"/>
           </a:p>
         </p:txBody>
       </p:sp>
@@ -7178,6 +7181,370 @@
           <a:xfrm>
             <a:off x="12526108" y="9763604"/>
             <a:ext cx="889287" cy="1212229"/>
+          </a:xfrm>
+          <a:prstGeom prst="line">
+            <a:avLst/>
+          </a:prstGeom>
+        </p:spPr>
+        <p:style>
+          <a:lnRef idx="2">
+            <a:schemeClr val="accent1"/>
+          </a:lnRef>
+          <a:fillRef idx="1">
+            <a:schemeClr val="lt1"/>
+          </a:fillRef>
+          <a:effectRef idx="0">
+            <a:schemeClr val="accent1"/>
+          </a:effectRef>
+          <a:fontRef idx="minor">
+            <a:schemeClr val="dk1"/>
+          </a:fontRef>
+        </p:style>
+      </p:cxnSp>
+      <p:sp>
+        <p:nvSpPr>
+          <p:cNvPr id="138" name="Oval 137"/>
+          <p:cNvSpPr/>
+          <p:nvPr/>
+        </p:nvSpPr>
+        <p:spPr>
+          <a:xfrm>
+            <a:off x="0" y="3608585"/>
+            <a:ext cx="1905000" cy="602201"/>
+          </a:xfrm>
+          <a:prstGeom prst="ellipse">
+            <a:avLst/>
+          </a:prstGeom>
+        </p:spPr>
+        <p:style>
+          <a:lnRef idx="2">
+            <a:schemeClr val="accent1"/>
+          </a:lnRef>
+          <a:fillRef idx="1">
+            <a:schemeClr val="lt1"/>
+          </a:fillRef>
+          <a:effectRef idx="0">
+            <a:schemeClr val="accent1"/>
+          </a:effectRef>
+          <a:fontRef idx="minor">
+            <a:schemeClr val="dk1"/>
+          </a:fontRef>
+        </p:style>
+        <p:txBody>
+          <a:bodyPr rtlCol="0" anchor="ctr"/>
+          <a:lstStyle/>
+          <a:p>
+            <a:pPr algn="ctr"/>
+            <a:r>
+              <a:rPr lang="en-US" sz="1400" dirty="0" err="1" smtClean="0"/>
+              <a:t>emsil</a:t>
+            </a:r>
+            <a:endParaRPr lang="en-US" sz="1400" dirty="0"/>
+          </a:p>
+        </p:txBody>
+      </p:sp>
+      <p:cxnSp>
+        <p:nvCxnSpPr>
+          <p:cNvPr id="140" name="Straight Connector 139"/>
+          <p:cNvCxnSpPr/>
+          <p:nvPr/>
+        </p:nvCxnSpPr>
+        <p:spPr>
+          <a:xfrm flipH="1">
+            <a:off x="1650197" y="3007134"/>
+            <a:ext cx="518516" cy="678704"/>
+          </a:xfrm>
+          <a:prstGeom prst="line">
+            <a:avLst/>
+          </a:prstGeom>
+        </p:spPr>
+        <p:style>
+          <a:lnRef idx="2">
+            <a:schemeClr val="accent1"/>
+          </a:lnRef>
+          <a:fillRef idx="1">
+            <a:schemeClr val="lt1"/>
+          </a:fillRef>
+          <a:effectRef idx="0">
+            <a:schemeClr val="accent1"/>
+          </a:effectRef>
+          <a:fontRef idx="minor">
+            <a:schemeClr val="dk1"/>
+          </a:fontRef>
+        </p:style>
+      </p:cxnSp>
+      <p:sp>
+        <p:nvSpPr>
+          <p:cNvPr id="141" name="Oval 140"/>
+          <p:cNvSpPr/>
+          <p:nvPr/>
+        </p:nvSpPr>
+        <p:spPr>
+          <a:xfrm>
+            <a:off x="84040" y="13622444"/>
+            <a:ext cx="2291615" cy="602201"/>
+          </a:xfrm>
+          <a:prstGeom prst="ellipse">
+            <a:avLst/>
+          </a:prstGeom>
+        </p:spPr>
+        <p:style>
+          <a:lnRef idx="2">
+            <a:schemeClr val="accent1"/>
+          </a:lnRef>
+          <a:fillRef idx="1">
+            <a:schemeClr val="lt1"/>
+          </a:fillRef>
+          <a:effectRef idx="0">
+            <a:schemeClr val="accent1"/>
+          </a:effectRef>
+          <a:fontRef idx="minor">
+            <a:schemeClr val="dk1"/>
+          </a:fontRef>
+        </p:style>
+        <p:txBody>
+          <a:bodyPr rtlCol="0" anchor="ctr"/>
+          <a:lstStyle/>
+          <a:p>
+            <a:pPr algn="ctr"/>
+            <a:r>
+              <a:rPr lang="en-US" sz="1400" dirty="0" err="1" smtClean="0"/>
+              <a:t>Task_name</a:t>
+            </a:r>
+            <a:endParaRPr lang="en-US" sz="1400" dirty="0"/>
+          </a:p>
+        </p:txBody>
+      </p:sp>
+      <p:sp>
+        <p:nvSpPr>
+          <p:cNvPr id="143" name="Oval 142"/>
+          <p:cNvSpPr/>
+          <p:nvPr/>
+        </p:nvSpPr>
+        <p:spPr>
+          <a:xfrm>
+            <a:off x="7662218" y="12572422"/>
+            <a:ext cx="2291615" cy="602201"/>
+          </a:xfrm>
+          <a:prstGeom prst="ellipse">
+            <a:avLst/>
+          </a:prstGeom>
+        </p:spPr>
+        <p:style>
+          <a:lnRef idx="2">
+            <a:schemeClr val="accent1"/>
+          </a:lnRef>
+          <a:fillRef idx="1">
+            <a:schemeClr val="lt1"/>
+          </a:fillRef>
+          <a:effectRef idx="0">
+            <a:schemeClr val="accent1"/>
+          </a:effectRef>
+          <a:fontRef idx="minor">
+            <a:schemeClr val="dk1"/>
+          </a:fontRef>
+        </p:style>
+        <p:txBody>
+          <a:bodyPr rtlCol="0" anchor="ctr"/>
+          <a:lstStyle/>
+          <a:p>
+            <a:pPr algn="ctr"/>
+            <a:r>
+              <a:rPr lang="en-US" sz="1400" dirty="0" err="1" smtClean="0"/>
+              <a:t>Is_deleted</a:t>
+            </a:r>
+            <a:endParaRPr lang="en-US" sz="1400" dirty="0"/>
+          </a:p>
+        </p:txBody>
+      </p:sp>
+      <p:cxnSp>
+        <p:nvCxnSpPr>
+          <p:cNvPr id="153" name="Straight Connector 152"/>
+          <p:cNvCxnSpPr>
+            <a:endCxn id="143" idx="2"/>
+          </p:cNvCxnSpPr>
+          <p:nvPr/>
+        </p:nvCxnSpPr>
+        <p:spPr>
+          <a:xfrm>
+            <a:off x="5960199" y="12601234"/>
+            <a:ext cx="1702019" cy="272289"/>
+          </a:xfrm>
+          <a:prstGeom prst="line">
+            <a:avLst/>
+          </a:prstGeom>
+        </p:spPr>
+        <p:style>
+          <a:lnRef idx="2">
+            <a:schemeClr val="accent1"/>
+          </a:lnRef>
+          <a:fillRef idx="1">
+            <a:schemeClr val="lt1"/>
+          </a:fillRef>
+          <a:effectRef idx="0">
+            <a:schemeClr val="accent1"/>
+          </a:effectRef>
+          <a:fontRef idx="minor">
+            <a:schemeClr val="dk1"/>
+          </a:fontRef>
+        </p:style>
+      </p:cxnSp>
+      <p:cxnSp>
+        <p:nvCxnSpPr>
+          <p:cNvPr id="164" name="Straight Connector 163"/>
+          <p:cNvCxnSpPr/>
+          <p:nvPr/>
+        </p:nvCxnSpPr>
+        <p:spPr>
+          <a:xfrm flipH="1">
+            <a:off x="2371501" y="12877800"/>
+            <a:ext cx="1226381" cy="1011237"/>
+          </a:xfrm>
+          <a:prstGeom prst="line">
+            <a:avLst/>
+          </a:prstGeom>
+        </p:spPr>
+        <p:style>
+          <a:lnRef idx="2">
+            <a:schemeClr val="accent1"/>
+          </a:lnRef>
+          <a:fillRef idx="1">
+            <a:schemeClr val="lt1"/>
+          </a:fillRef>
+          <a:effectRef idx="0">
+            <a:schemeClr val="accent1"/>
+          </a:effectRef>
+          <a:fontRef idx="minor">
+            <a:schemeClr val="dk1"/>
+          </a:fontRef>
+        </p:style>
+      </p:cxnSp>
+      <p:sp>
+        <p:nvSpPr>
+          <p:cNvPr id="165" name="Oval 164"/>
+          <p:cNvSpPr/>
+          <p:nvPr/>
+        </p:nvSpPr>
+        <p:spPr>
+          <a:xfrm>
+            <a:off x="20423739" y="3984176"/>
+            <a:ext cx="2291615" cy="453219"/>
+          </a:xfrm>
+          <a:prstGeom prst="ellipse">
+            <a:avLst/>
+          </a:prstGeom>
+        </p:spPr>
+        <p:style>
+          <a:lnRef idx="2">
+            <a:schemeClr val="accent1"/>
+          </a:lnRef>
+          <a:fillRef idx="1">
+            <a:schemeClr val="lt1"/>
+          </a:fillRef>
+          <a:effectRef idx="0">
+            <a:schemeClr val="accent1"/>
+          </a:effectRef>
+          <a:fontRef idx="minor">
+            <a:schemeClr val="dk1"/>
+          </a:fontRef>
+        </p:style>
+        <p:txBody>
+          <a:bodyPr rtlCol="0" anchor="ctr"/>
+          <a:lstStyle/>
+          <a:p>
+            <a:pPr algn="ctr"/>
+            <a:r>
+              <a:rPr lang="en-US" sz="1400" dirty="0" err="1" smtClean="0"/>
+              <a:t>Created_at</a:t>
+            </a:r>
+            <a:endParaRPr lang="en-US" sz="1400" dirty="0"/>
+          </a:p>
+        </p:txBody>
+      </p:sp>
+      <p:cxnSp>
+        <p:nvCxnSpPr>
+          <p:cNvPr id="166" name="Straight Connector 165"/>
+          <p:cNvCxnSpPr/>
+          <p:nvPr/>
+        </p:nvCxnSpPr>
+        <p:spPr>
+          <a:xfrm>
+            <a:off x="20640935" y="2937331"/>
+            <a:ext cx="395113" cy="1108164"/>
+          </a:xfrm>
+          <a:prstGeom prst="line">
+            <a:avLst/>
+          </a:prstGeom>
+        </p:spPr>
+        <p:style>
+          <a:lnRef idx="2">
+            <a:schemeClr val="accent1"/>
+          </a:lnRef>
+          <a:fillRef idx="1">
+            <a:schemeClr val="lt1"/>
+          </a:fillRef>
+          <a:effectRef idx="0">
+            <a:schemeClr val="accent1"/>
+          </a:effectRef>
+          <a:fontRef idx="minor">
+            <a:schemeClr val="dk1"/>
+          </a:fontRef>
+        </p:style>
+      </p:cxnSp>
+      <p:sp>
+        <p:nvSpPr>
+          <p:cNvPr id="167" name="Oval 166"/>
+          <p:cNvSpPr/>
+          <p:nvPr/>
+        </p:nvSpPr>
+        <p:spPr>
+          <a:xfrm>
+            <a:off x="20332197" y="7632038"/>
+            <a:ext cx="2291615" cy="602201"/>
+          </a:xfrm>
+          <a:prstGeom prst="ellipse">
+            <a:avLst/>
+          </a:prstGeom>
+        </p:spPr>
+        <p:style>
+          <a:lnRef idx="2">
+            <a:schemeClr val="accent1"/>
+          </a:lnRef>
+          <a:fillRef idx="1">
+            <a:schemeClr val="lt1"/>
+          </a:fillRef>
+          <a:effectRef idx="0">
+            <a:schemeClr val="accent1"/>
+          </a:effectRef>
+          <a:fontRef idx="minor">
+            <a:schemeClr val="dk1"/>
+          </a:fontRef>
+        </p:style>
+        <p:txBody>
+          <a:bodyPr rtlCol="0" anchor="ctr"/>
+          <a:lstStyle/>
+          <a:p>
+            <a:pPr algn="ctr"/>
+            <a:r>
+              <a:rPr lang="en-US" sz="1400" dirty="0" err="1" smtClean="0"/>
+              <a:t>Active_service</a:t>
+            </a:r>
+            <a:endParaRPr lang="en-US" sz="1400" dirty="0"/>
+          </a:p>
+        </p:txBody>
+      </p:sp>
+      <p:cxnSp>
+        <p:nvCxnSpPr>
+          <p:cNvPr id="169" name="Straight Connector 168"/>
+          <p:cNvCxnSpPr>
+            <a:stCxn id="167" idx="4"/>
+          </p:cNvCxnSpPr>
+          <p:nvPr/>
+        </p:nvCxnSpPr>
+        <p:spPr>
+          <a:xfrm flipH="1">
+            <a:off x="20700308" y="8234239"/>
+            <a:ext cx="777697" cy="909794"/>
           </a:xfrm>
           <a:prstGeom prst="line">
             <a:avLst/>
